--- a/doc/midterm_presentation/group2_midterm_presentation.pptx
+++ b/doc/midterm_presentation/group2_midterm_presentation.pptx
@@ -114,6 +114,11 @@
       </a:defRPr>
     </a:lvl9pPr>
   </p:defaultTextStyle>
+  <p:extLst>
+    <p:ext uri="{EFAFB233-063F-42B5-8137-9DF3F51BA10A}">
+      <p15:sldGuideLst xmlns:p15="http://schemas.microsoft.com/office/powerpoint/2012/main"/>
+    </p:ext>
+  </p:extLst>
 </p:presentation>
 </file>
 
@@ -5867,7 +5872,27 @@
                   </a:schemeClr>
                 </a:solidFill>
               </a:rPr>
-              <a:t>infovis project - group 2 – 2024</a:t>
+              <a:t>infovis project - group 2 </a:t>
+            </a:r>
+            <a:r>
+              <a:rPr lang="en-BE" sz="4000" dirty="0" smtClean="0">
+                <a:solidFill>
+                  <a:schemeClr val="accent1">
+                    <a:lumMod val="50000"/>
+                  </a:schemeClr>
+                </a:solidFill>
+              </a:rPr>
+              <a:t>- </a:t>
+            </a:r>
+            <a:r>
+              <a:rPr lang="en-BE" sz="4000" dirty="0" smtClean="0">
+                <a:solidFill>
+                  <a:schemeClr val="accent1">
+                    <a:lumMod val="50000"/>
+                  </a:schemeClr>
+                </a:solidFill>
+              </a:rPr>
+              <a:t>2024</a:t>
             </a:r>
             <a:br>
               <a:rPr lang="en-BE" sz="4000" dirty="0" smtClean="0">
@@ -6191,7 +6216,7 @@
         </p:blipFill>
         <p:spPr bwMode="auto">
           <a:xfrm>
-            <a:off x="2053972" y="2547983"/>
+            <a:off x="3257469" y="2119350"/>
             <a:ext cx="1673225" cy="589138"/>
           </a:xfrm>
           <a:prstGeom prst="rect">
@@ -6225,7 +6250,7 @@
         </p:blipFill>
         <p:spPr>
           <a:xfrm>
-            <a:off x="7352065" y="2634157"/>
+            <a:off x="6259262" y="2186333"/>
             <a:ext cx="998307" cy="502964"/>
           </a:xfrm>
           <a:prstGeom prst="rect">
@@ -6249,7 +6274,7 @@
         </p:blipFill>
         <p:spPr>
           <a:xfrm>
-            <a:off x="4357908" y="2045120"/>
+            <a:off x="5558162" y="1359345"/>
             <a:ext cx="2400508" cy="426757"/>
           </a:xfrm>
           <a:prstGeom prst="rect">
@@ -6360,47 +6385,14 @@
       </p:cxnSp>
       <p:cxnSp>
         <p:nvCxnSpPr>
-          <p:cNvPr id="21" name="Straight Arrow Connector 20"/>
-          <p:cNvCxnSpPr/>
-          <p:nvPr/>
-        </p:nvCxnSpPr>
-        <p:spPr>
-          <a:xfrm flipV="1">
-            <a:off x="5536251" y="2702279"/>
-            <a:ext cx="0" cy="643104"/>
-          </a:xfrm>
-          <a:prstGeom prst="straightConnector1">
-            <a:avLst/>
-          </a:prstGeom>
-          <a:ln w="28575">
-            <a:tailEnd type="triangle"/>
-          </a:ln>
-        </p:spPr>
-        <p:style>
-          <a:lnRef idx="1">
-            <a:schemeClr val="accent1"/>
-          </a:lnRef>
-          <a:fillRef idx="0">
-            <a:schemeClr val="accent1"/>
-          </a:fillRef>
-          <a:effectRef idx="0">
-            <a:schemeClr val="accent1"/>
-          </a:effectRef>
-          <a:fontRef idx="minor">
-            <a:schemeClr val="tx1"/>
-          </a:fontRef>
-        </p:style>
-      </p:cxnSp>
-      <p:cxnSp>
-        <p:nvCxnSpPr>
           <p:cNvPr id="22" name="Straight Arrow Connector 21"/>
           <p:cNvCxnSpPr/>
           <p:nvPr/>
         </p:nvCxnSpPr>
         <p:spPr>
           <a:xfrm flipH="1" flipV="1">
-            <a:off x="3777244" y="3271730"/>
-            <a:ext cx="529196" cy="360522"/>
+            <a:off x="4419600" y="2914557"/>
+            <a:ext cx="426692" cy="526740"/>
           </a:xfrm>
           <a:prstGeom prst="straightConnector1">
             <a:avLst/>
@@ -6432,8 +6424,8 @@
         </p:nvCxnSpPr>
         <p:spPr>
           <a:xfrm flipV="1">
-            <a:off x="6397311" y="3345383"/>
-            <a:ext cx="705244" cy="378144"/>
+            <a:off x="5950803" y="2893244"/>
+            <a:ext cx="417008" cy="535061"/>
           </a:xfrm>
           <a:prstGeom prst="straightConnector1">
             <a:avLst/>
@@ -6615,7 +6607,7 @@
         </p:nvSpPr>
         <p:spPr>
           <a:xfrm>
-            <a:off x="4623245" y="1171184"/>
+            <a:off x="4623245" y="538772"/>
             <a:ext cx="1774066" cy="461665"/>
           </a:xfrm>
           <a:prstGeom prst="rect">
@@ -6666,6 +6658,66 @@
               <a:t>Collaboration</a:t>
             </a:r>
             <a:endParaRPr lang="nl-BE" sz="2400" u="sng" dirty="0"/>
+          </a:p>
+        </p:txBody>
+      </p:sp>
+      <p:sp>
+        <p:nvSpPr>
+          <p:cNvPr id="4" name="TextBox 3"/>
+          <p:cNvSpPr txBox="1"/>
+          <p:nvPr/>
+        </p:nvSpPr>
+        <p:spPr>
+          <a:xfrm>
+            <a:off x="6562823" y="1829993"/>
+            <a:ext cx="935711" cy="369332"/>
+          </a:xfrm>
+          <a:prstGeom prst="rect">
+            <a:avLst/>
+          </a:prstGeom>
+          <a:noFill/>
+        </p:spPr>
+        <p:txBody>
+          <a:bodyPr wrap="square" rtlCol="0">
+            <a:spAutoFit/>
+          </a:bodyPr>
+          <a:lstStyle/>
+          <a:p>
+            <a:r>
+              <a:rPr lang="en-BE" dirty="0" smtClean="0"/>
+              <a:t>or</a:t>
+            </a:r>
+            <a:endParaRPr lang="nl-BE" dirty="0"/>
+          </a:p>
+        </p:txBody>
+      </p:sp>
+      <p:sp>
+        <p:nvSpPr>
+          <p:cNvPr id="26" name="TextBox 25"/>
+          <p:cNvSpPr txBox="1"/>
+          <p:nvPr/>
+        </p:nvSpPr>
+        <p:spPr>
+          <a:xfrm>
+            <a:off x="1152284" y="6349976"/>
+            <a:ext cx="935711" cy="369332"/>
+          </a:xfrm>
+          <a:prstGeom prst="rect">
+            <a:avLst/>
+          </a:prstGeom>
+          <a:noFill/>
+        </p:spPr>
+        <p:txBody>
+          <a:bodyPr wrap="square" rtlCol="0">
+            <a:spAutoFit/>
+          </a:bodyPr>
+          <a:lstStyle/>
+          <a:p>
+            <a:r>
+              <a:rPr lang="en-BE" dirty="0" smtClean="0"/>
+              <a:t>source</a:t>
+            </a:r>
+            <a:endParaRPr lang="nl-BE" dirty="0"/>
           </a:p>
         </p:txBody>
       </p:sp>
@@ -6842,8 +6894,8 @@
         </p:blipFill>
         <p:spPr>
           <a:xfrm>
-            <a:off x="506530" y="1605061"/>
-            <a:ext cx="3935738" cy="3680817"/>
+            <a:off x="103118" y="1712005"/>
+            <a:ext cx="3869043" cy="3618442"/>
           </a:xfrm>
           <a:prstGeom prst="rect">
             <a:avLst/>
@@ -6877,7 +6929,7 @@
         </p:blipFill>
         <p:spPr>
           <a:xfrm>
-            <a:off x="8009155" y="1588590"/>
+            <a:off x="8304733" y="1553839"/>
             <a:ext cx="4045193" cy="3680817"/>
           </a:xfrm>
           <a:prstGeom prst="rect">
@@ -6887,7 +6939,7 @@
       </p:pic>
       <p:pic>
         <p:nvPicPr>
-          <p:cNvPr id="7" name="Picture 6"/>
+          <p:cNvPr id="5" name="Picture 4"/>
           <p:cNvPicPr>
             <a:picLocks noChangeAspect="1"/>
           </p:cNvPicPr>
@@ -6897,10 +6949,10 @@
           <a:blip r:embed="rId4">
             <a:clrChange>
               <a:clrFrom>
-                <a:srgbClr val="1B1F23"/>
+                <a:srgbClr val="000000"/>
               </a:clrFrom>
               <a:clrTo>
-                <a:srgbClr val="1B1F23">
+                <a:srgbClr val="000000">
                   <a:alpha val="0"/>
                 </a:srgbClr>
               </a:clrTo>
@@ -6912,8 +6964,8 @@
         </p:blipFill>
         <p:spPr>
           <a:xfrm>
-            <a:off x="4210157" y="1588590"/>
-            <a:ext cx="3965521" cy="3680817"/>
+            <a:off x="3881727" y="1553839"/>
+            <a:ext cx="4264321" cy="3934775"/>
           </a:xfrm>
           <a:prstGeom prst="rect">
             <a:avLst/>
@@ -7175,15 +7227,36 @@
           <a:p>
             <a:pPr lvl="1"/>
             <a:r>
+              <a:rPr lang="en-US" dirty="0"/>
+              <a:t>try to imagine yourself in the role of </a:t>
+            </a:r>
+            <a:r>
               <a:rPr lang="en-BE" dirty="0" smtClean="0"/>
-              <a:t>try to live into the role of a HS student?</a:t>
-            </a:r>
+              <a:t>high school </a:t>
+            </a:r>
+            <a:r>
+              <a:rPr lang="en-US" dirty="0" smtClean="0"/>
+              <a:t>student</a:t>
+            </a:r>
+            <a:endParaRPr lang="en-BE" dirty="0" smtClean="0"/>
           </a:p>
           <a:p>
             <a:pPr lvl="1"/>
             <a:r>
               <a:rPr lang="en-BE" dirty="0" smtClean="0"/>
-              <a:t>maybe ask one? (not yet decided)</a:t>
+              <a:t>maybe </a:t>
+            </a:r>
+            <a:r>
+              <a:rPr lang="en-BE" dirty="0" smtClean="0"/>
+              <a:t>ask </a:t>
+            </a:r>
+            <a:r>
+              <a:rPr lang="en-BE" dirty="0" smtClean="0"/>
+              <a:t>a student? </a:t>
+            </a:r>
+            <a:r>
+              <a:rPr lang="en-BE" dirty="0" smtClean="0"/>
+              <a:t>(not yet decided)</a:t>
             </a:r>
             <a:endParaRPr lang="nl-BE" dirty="0"/>
           </a:p>
@@ -7471,7 +7544,11 @@
           <a:p>
             <a:r>
               <a:rPr lang="en-BE" dirty="0" smtClean="0"/>
-              <a:t>Validation: idiom selection</a:t>
+              <a:t>Validation: idiom </a:t>
+            </a:r>
+            <a:r>
+              <a:rPr lang="en-BE" dirty="0" smtClean="0"/>
+              <a:t>selection (i)</a:t>
             </a:r>
             <a:endParaRPr lang="nl-BE" dirty="0"/>
           </a:p>
@@ -7709,7 +7786,11 @@
           <a:p>
             <a:r>
               <a:rPr lang="en-BE" dirty="0" smtClean="0"/>
-              <a:t>Validation: idiom selection</a:t>
+              <a:t>Validation: idiom </a:t>
+            </a:r>
+            <a:r>
+              <a:rPr lang="en-BE" dirty="0" smtClean="0"/>
+              <a:t>selection (ii)</a:t>
             </a:r>
             <a:endParaRPr lang="nl-BE" dirty="0"/>
           </a:p>

--- a/doc/midterm_presentation/group2_midterm_presentation.pptx
+++ b/doc/midterm_presentation/group2_midterm_presentation.pptx
@@ -8,14 +8,15 @@
     <p:sldId id="256" r:id="rId2"/>
     <p:sldId id="267" r:id="rId3"/>
     <p:sldId id="260" r:id="rId4"/>
-    <p:sldId id="259" r:id="rId5"/>
-    <p:sldId id="262" r:id="rId6"/>
-    <p:sldId id="263" r:id="rId7"/>
-    <p:sldId id="265" r:id="rId8"/>
-    <p:sldId id="261" r:id="rId9"/>
-    <p:sldId id="266" r:id="rId10"/>
-    <p:sldId id="258" r:id="rId11"/>
-    <p:sldId id="257" r:id="rId12"/>
+    <p:sldId id="268" r:id="rId5"/>
+    <p:sldId id="259" r:id="rId6"/>
+    <p:sldId id="262" r:id="rId7"/>
+    <p:sldId id="263" r:id="rId8"/>
+    <p:sldId id="265" r:id="rId9"/>
+    <p:sldId id="261" r:id="rId10"/>
+    <p:sldId id="266" r:id="rId11"/>
+    <p:sldId id="258" r:id="rId12"/>
+    <p:sldId id="257" r:id="rId13"/>
   </p:sldIdLst>
   <p:sldSz cx="12192000" cy="6858000"/>
   <p:notesSz cx="6858000" cy="9144000"/>
@@ -867,7 +868,7 @@
           <a:p>
             <a:fld id="{891B977C-11A8-413A-BFAF-14235309C571}" type="datetimeFigureOut">
               <a:rPr lang="nl-BE" smtClean="0"/>
-              <a:t>4/04/2024</a:t>
+              <a:t>6/04/2024</a:t>
             </a:fld>
             <a:endParaRPr lang="nl-BE"/>
           </a:p>
@@ -1118,7 +1119,7 @@
           <a:p>
             <a:fld id="{891B977C-11A8-413A-BFAF-14235309C571}" type="datetimeFigureOut">
               <a:rPr lang="nl-BE" smtClean="0"/>
-              <a:t>4/04/2024</a:t>
+              <a:t>6/04/2024</a:t>
             </a:fld>
             <a:endParaRPr lang="nl-BE"/>
           </a:p>
@@ -1432,7 +1433,7 @@
           <a:p>
             <a:fld id="{891B977C-11A8-413A-BFAF-14235309C571}" type="datetimeFigureOut">
               <a:rPr lang="nl-BE" smtClean="0"/>
-              <a:t>4/04/2024</a:t>
+              <a:t>6/04/2024</a:t>
             </a:fld>
             <a:endParaRPr lang="nl-BE"/>
           </a:p>
@@ -1765,7 +1766,7 @@
           <a:p>
             <a:fld id="{891B977C-11A8-413A-BFAF-14235309C571}" type="datetimeFigureOut">
               <a:rPr lang="nl-BE" smtClean="0"/>
-              <a:t>4/04/2024</a:t>
+              <a:t>6/04/2024</a:t>
             </a:fld>
             <a:endParaRPr lang="nl-BE"/>
           </a:p>
@@ -2079,7 +2080,7 @@
           <a:p>
             <a:fld id="{891B977C-11A8-413A-BFAF-14235309C571}" type="datetimeFigureOut">
               <a:rPr lang="nl-BE" smtClean="0"/>
-              <a:t>4/04/2024</a:t>
+              <a:t>6/04/2024</a:t>
             </a:fld>
             <a:endParaRPr lang="nl-BE"/>
           </a:p>
@@ -2472,7 +2473,7 @@
           <a:p>
             <a:fld id="{891B977C-11A8-413A-BFAF-14235309C571}" type="datetimeFigureOut">
               <a:rPr lang="nl-BE" smtClean="0"/>
-              <a:t>4/04/2024</a:t>
+              <a:t>6/04/2024</a:t>
             </a:fld>
             <a:endParaRPr lang="nl-BE"/>
           </a:p>
@@ -2642,7 +2643,7 @@
           <a:p>
             <a:fld id="{891B977C-11A8-413A-BFAF-14235309C571}" type="datetimeFigureOut">
               <a:rPr lang="nl-BE" smtClean="0"/>
-              <a:t>4/04/2024</a:t>
+              <a:t>6/04/2024</a:t>
             </a:fld>
             <a:endParaRPr lang="nl-BE"/>
           </a:p>
@@ -2822,7 +2823,7 @@
           <a:p>
             <a:fld id="{891B977C-11A8-413A-BFAF-14235309C571}" type="datetimeFigureOut">
               <a:rPr lang="nl-BE" smtClean="0"/>
-              <a:t>4/04/2024</a:t>
+              <a:t>6/04/2024</a:t>
             </a:fld>
             <a:endParaRPr lang="nl-BE"/>
           </a:p>
@@ -2992,7 +2993,7 @@
           <a:p>
             <a:fld id="{891B977C-11A8-413A-BFAF-14235309C571}" type="datetimeFigureOut">
               <a:rPr lang="nl-BE" smtClean="0"/>
-              <a:t>4/04/2024</a:t>
+              <a:t>6/04/2024</a:t>
             </a:fld>
             <a:endParaRPr lang="nl-BE"/>
           </a:p>
@@ -3239,7 +3240,7 @@
           <a:p>
             <a:fld id="{891B977C-11A8-413A-BFAF-14235309C571}" type="datetimeFigureOut">
               <a:rPr lang="nl-BE" smtClean="0"/>
-              <a:t>4/04/2024</a:t>
+              <a:t>6/04/2024</a:t>
             </a:fld>
             <a:endParaRPr lang="nl-BE"/>
           </a:p>
@@ -3471,7 +3472,7 @@
           <a:p>
             <a:fld id="{891B977C-11A8-413A-BFAF-14235309C571}" type="datetimeFigureOut">
               <a:rPr lang="nl-BE" smtClean="0"/>
-              <a:t>4/04/2024</a:t>
+              <a:t>6/04/2024</a:t>
             </a:fld>
             <a:endParaRPr lang="nl-BE"/>
           </a:p>
@@ -3845,7 +3846,7 @@
           <a:p>
             <a:fld id="{891B977C-11A8-413A-BFAF-14235309C571}" type="datetimeFigureOut">
               <a:rPr lang="nl-BE" smtClean="0"/>
-              <a:t>4/04/2024</a:t>
+              <a:t>6/04/2024</a:t>
             </a:fld>
             <a:endParaRPr lang="nl-BE"/>
           </a:p>
@@ -3968,7 +3969,7 @@
           <a:p>
             <a:fld id="{891B977C-11A8-413A-BFAF-14235309C571}" type="datetimeFigureOut">
               <a:rPr lang="nl-BE" smtClean="0"/>
-              <a:t>4/04/2024</a:t>
+              <a:t>6/04/2024</a:t>
             </a:fld>
             <a:endParaRPr lang="nl-BE"/>
           </a:p>
@@ -4063,7 +4064,7 @@
           <a:p>
             <a:fld id="{891B977C-11A8-413A-BFAF-14235309C571}" type="datetimeFigureOut">
               <a:rPr lang="nl-BE" smtClean="0"/>
-              <a:t>4/04/2024</a:t>
+              <a:t>6/04/2024</a:t>
             </a:fld>
             <a:endParaRPr lang="nl-BE"/>
           </a:p>
@@ -4318,7 +4319,7 @@
           <a:p>
             <a:fld id="{891B977C-11A8-413A-BFAF-14235309C571}" type="datetimeFigureOut">
               <a:rPr lang="nl-BE" smtClean="0"/>
-              <a:t>4/04/2024</a:t>
+              <a:t>6/04/2024</a:t>
             </a:fld>
             <a:endParaRPr lang="nl-BE"/>
           </a:p>
@@ -4623,7 +4624,7 @@
           <a:p>
             <a:fld id="{891B977C-11A8-413A-BFAF-14235309C571}" type="datetimeFigureOut">
               <a:rPr lang="nl-BE" smtClean="0"/>
-              <a:t>4/04/2024</a:t>
+              <a:t>6/04/2024</a:t>
             </a:fld>
             <a:endParaRPr lang="nl-BE"/>
           </a:p>
@@ -5325,7 +5326,7 @@
           <a:p>
             <a:fld id="{891B977C-11A8-413A-BFAF-14235309C571}" type="datetimeFigureOut">
               <a:rPr lang="nl-BE" smtClean="0"/>
-              <a:t>4/04/2024</a:t>
+              <a:t>6/04/2024</a:t>
             </a:fld>
             <a:endParaRPr lang="nl-BE"/>
           </a:p>
@@ -5872,27 +5873,7 @@
                   </a:schemeClr>
                 </a:solidFill>
               </a:rPr>
-              <a:t>infovis project - group 2 </a:t>
-            </a:r>
-            <a:r>
-              <a:rPr lang="en-BE" sz="4000" dirty="0" smtClean="0">
-                <a:solidFill>
-                  <a:schemeClr val="accent1">
-                    <a:lumMod val="50000"/>
-                  </a:schemeClr>
-                </a:solidFill>
-              </a:rPr>
-              <a:t>- </a:t>
-            </a:r>
-            <a:r>
-              <a:rPr lang="en-BE" sz="4000" dirty="0" smtClean="0">
-                <a:solidFill>
-                  <a:schemeClr val="accent1">
-                    <a:lumMod val="50000"/>
-                  </a:schemeClr>
-                </a:solidFill>
-              </a:rPr>
-              <a:t>2024</a:t>
+              <a:t>infovis project - group 2 - 2024</a:t>
             </a:r>
             <a:br>
               <a:rPr lang="en-BE" sz="4000" dirty="0" smtClean="0">
@@ -6007,6 +5988,215 @@
 </file>
 
 <file path=ppt/slides/slide10.xml><?xml version="1.0" encoding="utf-8"?>
+<p:sld xmlns:a="http://schemas.openxmlformats.org/drawingml/2006/main" xmlns:r="http://schemas.openxmlformats.org/officeDocument/2006/relationships" xmlns:p="http://schemas.openxmlformats.org/presentationml/2006/main">
+  <p:cSld>
+    <p:spTree>
+      <p:nvGrpSpPr>
+        <p:cNvPr id="1" name=""/>
+        <p:cNvGrpSpPr/>
+        <p:nvPr/>
+      </p:nvGrpSpPr>
+      <p:grpSpPr>
+        <a:xfrm>
+          <a:off x="0" y="0"/>
+          <a:ext cx="0" cy="0"/>
+          <a:chOff x="0" y="0"/>
+          <a:chExt cx="0" cy="0"/>
+        </a:xfrm>
+      </p:grpSpPr>
+      <p:sp>
+        <p:nvSpPr>
+          <p:cNvPr id="2" name="Title 1"/>
+          <p:cNvSpPr>
+            <a:spLocks noGrp="1"/>
+          </p:cNvSpPr>
+          <p:nvPr>
+            <p:ph type="title"/>
+          </p:nvPr>
+        </p:nvSpPr>
+        <p:spPr/>
+        <p:txBody>
+          <a:bodyPr/>
+          <a:lstStyle/>
+          <a:p>
+            <a:r>
+              <a:rPr lang="en-BE" dirty="0" smtClean="0"/>
+              <a:t>Validation: algorithm</a:t>
+            </a:r>
+            <a:endParaRPr lang="nl-BE" dirty="0"/>
+          </a:p>
+        </p:txBody>
+      </p:sp>
+      <p:sp>
+        <p:nvSpPr>
+          <p:cNvPr id="3" name="Content Placeholder 2"/>
+          <p:cNvSpPr>
+            <a:spLocks noGrp="1"/>
+          </p:cNvSpPr>
+          <p:nvPr>
+            <p:ph idx="1"/>
+          </p:nvPr>
+        </p:nvSpPr>
+        <p:spPr>
+          <a:xfrm>
+            <a:off x="677334" y="1551008"/>
+            <a:ext cx="8596668" cy="5046561"/>
+          </a:xfrm>
+        </p:spPr>
+        <p:txBody>
+          <a:bodyPr>
+            <a:normAutofit/>
+          </a:bodyPr>
+          <a:lstStyle/>
+          <a:p>
+            <a:r>
+              <a:rPr lang="en-BE" dirty="0" smtClean="0"/>
+              <a:t>Assessment:</a:t>
+            </a:r>
+          </a:p>
+          <a:p>
+            <a:pPr lvl="1"/>
+            <a:r>
+              <a:rPr lang="en-BE" dirty="0" smtClean="0"/>
+              <a:t>dataset is static, non-streaming</a:t>
+            </a:r>
+          </a:p>
+          <a:p>
+            <a:pPr lvl="1"/>
+            <a:r>
+              <a:rPr lang="en-BE" dirty="0" smtClean="0"/>
+              <a:t>query and summary statistics can be pre-computed</a:t>
+            </a:r>
+          </a:p>
+          <a:p>
+            <a:pPr lvl="1"/>
+            <a:r>
+              <a:rPr lang="en-BE" dirty="0" smtClean="0"/>
+              <a:t>map viz will be slowest section </a:t>
+            </a:r>
+            <a:r>
+              <a:rPr lang="en-BE" dirty="0" smtClean="0">
+                <a:sym typeface="Wingdings" panose="05000000000000000000" pitchFamily="2" charset="2"/>
+              </a:rPr>
+              <a:t> try second framework if first does not suffice</a:t>
+            </a:r>
+          </a:p>
+          <a:p>
+            <a:pPr lvl="2"/>
+            <a:r>
+              <a:rPr lang="en-BE" dirty="0" smtClean="0">
+                <a:sym typeface="Wingdings" panose="05000000000000000000" pitchFamily="2" charset="2"/>
+              </a:rPr>
+              <a:t>see next slide</a:t>
+            </a:r>
+            <a:endParaRPr lang="en-BE" dirty="0" smtClean="0"/>
+          </a:p>
+          <a:p>
+            <a:pPr lvl="1"/>
+            <a:endParaRPr lang="en-BE" dirty="0"/>
+          </a:p>
+          <a:p>
+            <a:r>
+              <a:rPr lang="en-BE" dirty="0" smtClean="0"/>
+              <a:t>Validation:</a:t>
+            </a:r>
+          </a:p>
+          <a:p>
+            <a:pPr lvl="1"/>
+            <a:r>
+              <a:rPr lang="en-BE" dirty="0" smtClean="0"/>
+              <a:t>measure it</a:t>
+            </a:r>
+            <a:endParaRPr lang="en-BE" dirty="0"/>
+          </a:p>
+          <a:p>
+            <a:endParaRPr lang="en-BE" dirty="0" smtClean="0"/>
+          </a:p>
+        </p:txBody>
+      </p:sp>
+      <p:pic>
+        <p:nvPicPr>
+          <p:cNvPr id="5" name="Picture 4"/>
+          <p:cNvPicPr>
+            <a:picLocks noChangeAspect="1"/>
+          </p:cNvPicPr>
+          <p:nvPr/>
+        </p:nvPicPr>
+        <p:blipFill>
+          <a:blip r:embed="rId2"/>
+          <a:stretch>
+            <a:fillRect/>
+          </a:stretch>
+        </p:blipFill>
+        <p:spPr>
+          <a:xfrm>
+            <a:off x="9274002" y="126877"/>
+            <a:ext cx="2738984" cy="2192634"/>
+          </a:xfrm>
+          <a:prstGeom prst="rect">
+            <a:avLst/>
+          </a:prstGeom>
+        </p:spPr>
+      </p:pic>
+      <p:sp>
+        <p:nvSpPr>
+          <p:cNvPr id="4" name="TextBox 3"/>
+          <p:cNvSpPr txBox="1"/>
+          <p:nvPr/>
+        </p:nvSpPr>
+        <p:spPr>
+          <a:xfrm>
+            <a:off x="8657863" y="6481823"/>
+            <a:ext cx="3437681" cy="246221"/>
+          </a:xfrm>
+          <a:prstGeom prst="rect">
+            <a:avLst/>
+          </a:prstGeom>
+          <a:noFill/>
+        </p:spPr>
+        <p:txBody>
+          <a:bodyPr wrap="square" rtlCol="0">
+            <a:spAutoFit/>
+          </a:bodyPr>
+          <a:lstStyle/>
+          <a:p>
+            <a:r>
+              <a:rPr lang="en-BE" sz="1000" dirty="0"/>
+              <a:t>*</a:t>
+            </a:r>
+            <a:r>
+              <a:rPr lang="en-US" sz="1000" dirty="0" smtClean="0"/>
+              <a:t>“</a:t>
+            </a:r>
+            <a:r>
+              <a:rPr lang="en-US" sz="1000" dirty="0"/>
+              <a:t>Big Aggregate Numbers” or “Big Actionable Numbers”</a:t>
+            </a:r>
+            <a:endParaRPr lang="nl-BE" sz="1000" dirty="0"/>
+          </a:p>
+        </p:txBody>
+      </p:sp>
+    </p:spTree>
+    <p:extLst>
+      <p:ext uri="{BB962C8B-B14F-4D97-AF65-F5344CB8AC3E}">
+        <p14:creationId xmlns:p14="http://schemas.microsoft.com/office/powerpoint/2010/main" val="3309214360"/>
+      </p:ext>
+    </p:extLst>
+  </p:cSld>
+  <p:clrMapOvr>
+    <a:masterClrMapping/>
+  </p:clrMapOvr>
+  <p:timing>
+    <p:tnLst>
+      <p:par>
+        <p:cTn id="1" dur="indefinite" restart="never" nodeType="tmRoot"/>
+      </p:par>
+    </p:tnLst>
+  </p:timing>
+</p:sld>
+</file>
+
+<file path=ppt/slides/slide11.xml><?xml version="1.0" encoding="utf-8"?>
 <p:sld xmlns:a="http://schemas.openxmlformats.org/drawingml/2006/main" xmlns:r="http://schemas.openxmlformats.org/officeDocument/2006/relationships" xmlns:p="http://schemas.openxmlformats.org/presentationml/2006/main">
   <p:cSld>
     <p:spTree>
@@ -6741,7 +6931,7 @@
 </p:sld>
 </file>
 
-<file path=ppt/slides/slide11.xml><?xml version="1.0" encoding="utf-8"?>
+<file path=ppt/slides/slide12.xml><?xml version="1.0" encoding="utf-8"?>
 <p:sld xmlns:a="http://schemas.openxmlformats.org/drawingml/2006/main" xmlns:r="http://schemas.openxmlformats.org/officeDocument/2006/relationships" xmlns:p="http://schemas.openxmlformats.org/presentationml/2006/main">
   <p:cSld>
     <p:spTree>
@@ -7050,8 +7240,318 @@
         </p:blipFill>
         <p:spPr>
           <a:xfrm>
-            <a:off x="2055681" y="1547130"/>
-            <a:ext cx="6995722" cy="4630672"/>
+            <a:off x="7018097" y="227611"/>
+            <a:ext cx="4511810" cy="2986498"/>
+          </a:xfrm>
+          <a:prstGeom prst="rect">
+            <a:avLst/>
+          </a:prstGeom>
+        </p:spPr>
+      </p:pic>
+      <p:sp>
+        <p:nvSpPr>
+          <p:cNvPr id="5" name="Content Placeholder 2"/>
+          <p:cNvSpPr txBox="1">
+            <a:spLocks/>
+          </p:cNvSpPr>
+          <p:nvPr/>
+        </p:nvSpPr>
+        <p:spPr>
+          <a:xfrm>
+            <a:off x="677334" y="1551008"/>
+            <a:ext cx="8596668" cy="5046561"/>
+          </a:xfrm>
+          <a:prstGeom prst="rect">
+            <a:avLst/>
+          </a:prstGeom>
+        </p:spPr>
+        <p:txBody>
+          <a:bodyPr vert="horz" lIns="91440" tIns="45720" rIns="91440" bIns="45720" rtlCol="0">
+            <a:normAutofit/>
+          </a:bodyPr>
+          <a:lstStyle>
+            <a:lvl1pPr marL="342900" indent="-342900" algn="l" defTabSz="457200" rtl="0" eaLnBrk="1" latinLnBrk="0" hangingPunct="1">
+              <a:spcBef>
+                <a:spcPts val="1000"/>
+              </a:spcBef>
+              <a:spcAft>
+                <a:spcPts val="0"/>
+              </a:spcAft>
+              <a:buClr>
+                <a:schemeClr val="accent1"/>
+              </a:buClr>
+              <a:buSzPct val="80000"/>
+              <a:buFont typeface="Wingdings 3" charset="2"/>
+              <a:buChar char=""/>
+              <a:defRPr sz="1800" kern="1200">
+                <a:solidFill>
+                  <a:schemeClr val="tx1">
+                    <a:lumMod val="75000"/>
+                    <a:lumOff val="25000"/>
+                  </a:schemeClr>
+                </a:solidFill>
+                <a:latin typeface="+mn-lt"/>
+                <a:ea typeface="+mn-ea"/>
+                <a:cs typeface="+mn-cs"/>
+              </a:defRPr>
+            </a:lvl1pPr>
+            <a:lvl2pPr marL="742950" indent="-285750" algn="l" defTabSz="457200" rtl="0" eaLnBrk="1" latinLnBrk="0" hangingPunct="1">
+              <a:spcBef>
+                <a:spcPts val="1000"/>
+              </a:spcBef>
+              <a:spcAft>
+                <a:spcPts val="0"/>
+              </a:spcAft>
+              <a:buClr>
+                <a:schemeClr val="accent1"/>
+              </a:buClr>
+              <a:buSzPct val="80000"/>
+              <a:buFont typeface="Wingdings 3" charset="2"/>
+              <a:buChar char=""/>
+              <a:defRPr sz="1600" kern="1200">
+                <a:solidFill>
+                  <a:schemeClr val="tx1">
+                    <a:lumMod val="75000"/>
+                    <a:lumOff val="25000"/>
+                  </a:schemeClr>
+                </a:solidFill>
+                <a:latin typeface="+mn-lt"/>
+                <a:ea typeface="+mn-ea"/>
+                <a:cs typeface="+mn-cs"/>
+              </a:defRPr>
+            </a:lvl2pPr>
+            <a:lvl3pPr marL="1143000" indent="-228600" algn="l" defTabSz="457200" rtl="0" eaLnBrk="1" latinLnBrk="0" hangingPunct="1">
+              <a:spcBef>
+                <a:spcPts val="1000"/>
+              </a:spcBef>
+              <a:spcAft>
+                <a:spcPts val="0"/>
+              </a:spcAft>
+              <a:buClr>
+                <a:schemeClr val="accent1"/>
+              </a:buClr>
+              <a:buSzPct val="80000"/>
+              <a:buFont typeface="Wingdings 3" charset="2"/>
+              <a:buChar char=""/>
+              <a:defRPr sz="1400" kern="1200">
+                <a:solidFill>
+                  <a:schemeClr val="tx1">
+                    <a:lumMod val="75000"/>
+                    <a:lumOff val="25000"/>
+                  </a:schemeClr>
+                </a:solidFill>
+                <a:latin typeface="+mn-lt"/>
+                <a:ea typeface="+mn-ea"/>
+                <a:cs typeface="+mn-cs"/>
+              </a:defRPr>
+            </a:lvl3pPr>
+            <a:lvl4pPr marL="1600200" indent="-228600" algn="l" defTabSz="457200" rtl="0" eaLnBrk="1" latinLnBrk="0" hangingPunct="1">
+              <a:spcBef>
+                <a:spcPts val="1000"/>
+              </a:spcBef>
+              <a:spcAft>
+                <a:spcPts val="0"/>
+              </a:spcAft>
+              <a:buClr>
+                <a:schemeClr val="accent1"/>
+              </a:buClr>
+              <a:buSzPct val="80000"/>
+              <a:buFont typeface="Wingdings 3" charset="2"/>
+              <a:buChar char=""/>
+              <a:defRPr sz="1200" kern="1200">
+                <a:solidFill>
+                  <a:schemeClr val="tx1">
+                    <a:lumMod val="75000"/>
+                    <a:lumOff val="25000"/>
+                  </a:schemeClr>
+                </a:solidFill>
+                <a:latin typeface="+mn-lt"/>
+                <a:ea typeface="+mn-ea"/>
+                <a:cs typeface="+mn-cs"/>
+              </a:defRPr>
+            </a:lvl4pPr>
+            <a:lvl5pPr marL="2057400" indent="-228600" algn="l" defTabSz="457200" rtl="0" eaLnBrk="1" latinLnBrk="0" hangingPunct="1">
+              <a:spcBef>
+                <a:spcPts val="1000"/>
+              </a:spcBef>
+              <a:spcAft>
+                <a:spcPts val="0"/>
+              </a:spcAft>
+              <a:buClr>
+                <a:schemeClr val="accent1"/>
+              </a:buClr>
+              <a:buSzPct val="80000"/>
+              <a:buFont typeface="Wingdings 3" charset="2"/>
+              <a:buChar char=""/>
+              <a:defRPr sz="1200" kern="1200">
+                <a:solidFill>
+                  <a:schemeClr val="tx1">
+                    <a:lumMod val="75000"/>
+                    <a:lumOff val="25000"/>
+                  </a:schemeClr>
+                </a:solidFill>
+                <a:latin typeface="+mn-lt"/>
+                <a:ea typeface="+mn-ea"/>
+                <a:cs typeface="+mn-cs"/>
+              </a:defRPr>
+            </a:lvl5pPr>
+            <a:lvl6pPr marL="2514600" indent="-228600" algn="l" defTabSz="457200" rtl="0" eaLnBrk="1" latinLnBrk="0" hangingPunct="1">
+              <a:spcBef>
+                <a:spcPts val="1000"/>
+              </a:spcBef>
+              <a:spcAft>
+                <a:spcPts val="0"/>
+              </a:spcAft>
+              <a:buClr>
+                <a:schemeClr val="accent1"/>
+              </a:buClr>
+              <a:buSzPct val="80000"/>
+              <a:buFont typeface="Wingdings 3" charset="2"/>
+              <a:buChar char=""/>
+              <a:defRPr sz="1200" kern="1200">
+                <a:solidFill>
+                  <a:schemeClr val="tx1">
+                    <a:lumMod val="75000"/>
+                    <a:lumOff val="25000"/>
+                  </a:schemeClr>
+                </a:solidFill>
+                <a:latin typeface="+mn-lt"/>
+                <a:ea typeface="+mn-ea"/>
+                <a:cs typeface="+mn-cs"/>
+              </a:defRPr>
+            </a:lvl6pPr>
+            <a:lvl7pPr marL="2971800" indent="-228600" algn="l" defTabSz="457200" rtl="0" eaLnBrk="1" latinLnBrk="0" hangingPunct="1">
+              <a:spcBef>
+                <a:spcPts val="1000"/>
+              </a:spcBef>
+              <a:spcAft>
+                <a:spcPts val="0"/>
+              </a:spcAft>
+              <a:buClr>
+                <a:schemeClr val="accent1"/>
+              </a:buClr>
+              <a:buSzPct val="80000"/>
+              <a:buFont typeface="Wingdings 3" charset="2"/>
+              <a:buChar char=""/>
+              <a:defRPr sz="1200" kern="1200">
+                <a:solidFill>
+                  <a:schemeClr val="tx1">
+                    <a:lumMod val="75000"/>
+                    <a:lumOff val="25000"/>
+                  </a:schemeClr>
+                </a:solidFill>
+                <a:latin typeface="+mn-lt"/>
+                <a:ea typeface="+mn-ea"/>
+                <a:cs typeface="+mn-cs"/>
+              </a:defRPr>
+            </a:lvl7pPr>
+            <a:lvl8pPr marL="3429000" indent="-228600" algn="l" defTabSz="457200" rtl="0" eaLnBrk="1" latinLnBrk="0" hangingPunct="1">
+              <a:spcBef>
+                <a:spcPts val="1000"/>
+              </a:spcBef>
+              <a:spcAft>
+                <a:spcPts val="0"/>
+              </a:spcAft>
+              <a:buClr>
+                <a:schemeClr val="accent1"/>
+              </a:buClr>
+              <a:buSzPct val="80000"/>
+              <a:buFont typeface="Wingdings 3" charset="2"/>
+              <a:buChar char=""/>
+              <a:defRPr sz="1200" kern="1200">
+                <a:solidFill>
+                  <a:schemeClr val="tx1">
+                    <a:lumMod val="75000"/>
+                    <a:lumOff val="25000"/>
+                  </a:schemeClr>
+                </a:solidFill>
+                <a:latin typeface="+mn-lt"/>
+                <a:ea typeface="+mn-ea"/>
+                <a:cs typeface="+mn-cs"/>
+              </a:defRPr>
+            </a:lvl8pPr>
+            <a:lvl9pPr marL="3886200" indent="-228600" algn="l" defTabSz="457200" rtl="0" eaLnBrk="1" latinLnBrk="0" hangingPunct="1">
+              <a:spcBef>
+                <a:spcPts val="1000"/>
+              </a:spcBef>
+              <a:spcAft>
+                <a:spcPts val="0"/>
+              </a:spcAft>
+              <a:buClr>
+                <a:schemeClr val="accent1"/>
+              </a:buClr>
+              <a:buSzPct val="80000"/>
+              <a:buFont typeface="Wingdings 3" charset="2"/>
+              <a:buChar char=""/>
+              <a:defRPr sz="1200" kern="1200">
+                <a:solidFill>
+                  <a:schemeClr val="tx1">
+                    <a:lumMod val="75000"/>
+                    <a:lumOff val="25000"/>
+                  </a:schemeClr>
+                </a:solidFill>
+                <a:latin typeface="+mn-lt"/>
+                <a:ea typeface="+mn-ea"/>
+                <a:cs typeface="+mn-cs"/>
+              </a:defRPr>
+            </a:lvl9pPr>
+          </a:lstStyle>
+          <a:p>
+            <a:r>
+              <a:rPr lang="nl-BE" dirty="0" smtClean="0"/>
+              <a:t>27</a:t>
+            </a:r>
+            <a:r>
+              <a:rPr lang="en-BE" dirty="0"/>
+              <a:t>.</a:t>
+            </a:r>
+            <a:r>
+              <a:rPr lang="nl-BE" dirty="0" smtClean="0"/>
+              <a:t>422</a:t>
+            </a:r>
+            <a:r>
+              <a:rPr lang="en-BE" dirty="0" smtClean="0"/>
+              <a:t> wind pharm phases</a:t>
+            </a:r>
+          </a:p>
+          <a:p>
+            <a:r>
+              <a:rPr lang="en-BE" dirty="0" smtClean="0"/>
+              <a:t>155 countries</a:t>
+            </a:r>
+          </a:p>
+          <a:p>
+            <a:r>
+              <a:rPr lang="en-BE" dirty="0" smtClean="0"/>
+              <a:t>No missing values in key attributes</a:t>
+            </a:r>
+          </a:p>
+          <a:p>
+            <a:endParaRPr lang="en-BE" dirty="0" smtClean="0"/>
+          </a:p>
+          <a:p>
+            <a:endParaRPr lang="nl-BE" dirty="0"/>
+          </a:p>
+        </p:txBody>
+      </p:sp>
+      <p:pic>
+        <p:nvPicPr>
+          <p:cNvPr id="3" name="Picture 2"/>
+          <p:cNvPicPr>
+            <a:picLocks noChangeAspect="1"/>
+          </p:cNvPicPr>
+          <p:nvPr/>
+        </p:nvPicPr>
+        <p:blipFill>
+          <a:blip r:embed="rId3"/>
+          <a:stretch>
+            <a:fillRect/>
+          </a:stretch>
+        </p:blipFill>
+        <p:spPr>
+          <a:xfrm>
+            <a:off x="261609" y="3214109"/>
+            <a:ext cx="5537614" cy="3161545"/>
           </a:xfrm>
           <a:prstGeom prst="rect">
             <a:avLst/>
@@ -7105,158 +7605,19 @@
             <p:ph type="title"/>
           </p:nvPr>
         </p:nvSpPr>
-        <p:spPr/>
+        <p:spPr>
+          <a:xfrm>
+            <a:off x="538438" y="493425"/>
+            <a:ext cx="8596668" cy="1320800"/>
+          </a:xfrm>
+        </p:spPr>
         <p:txBody>
           <a:bodyPr/>
           <a:lstStyle/>
           <a:p>
             <a:r>
               <a:rPr lang="en-BE" dirty="0" smtClean="0"/>
-              <a:t>Validation: domain situation</a:t>
-            </a:r>
-            <a:endParaRPr lang="nl-BE" dirty="0"/>
-          </a:p>
-        </p:txBody>
-      </p:sp>
-      <p:sp>
-        <p:nvSpPr>
-          <p:cNvPr id="3" name="Content Placeholder 2"/>
-          <p:cNvSpPr>
-            <a:spLocks noGrp="1"/>
-          </p:cNvSpPr>
-          <p:nvPr>
-            <p:ph idx="1"/>
-          </p:nvPr>
-        </p:nvSpPr>
-        <p:spPr>
-          <a:xfrm>
-            <a:off x="677334" y="1551008"/>
-            <a:ext cx="8596668" cy="5046561"/>
-          </a:xfrm>
-        </p:spPr>
-        <p:txBody>
-          <a:bodyPr>
-            <a:normAutofit/>
-          </a:bodyPr>
-          <a:lstStyle/>
-          <a:p>
-            <a:r>
-              <a:rPr lang="en-BE" dirty="0" smtClean="0"/>
-              <a:t>Assessment:</a:t>
-            </a:r>
-          </a:p>
-          <a:p>
-            <a:pPr lvl="1"/>
-            <a:r>
-              <a:rPr lang="en-BE" dirty="0" smtClean="0"/>
-              <a:t>Target user: high school STEM student. They know electrical power is expressed in Watt, they know the prefix M, they know a windmill produces electrical energy.</a:t>
-            </a:r>
-          </a:p>
-          <a:p>
-            <a:pPr lvl="1"/>
-            <a:r>
-              <a:rPr lang="en-BE" dirty="0" smtClean="0"/>
-              <a:t>Key questions:</a:t>
-            </a:r>
-          </a:p>
-          <a:p>
-            <a:pPr lvl="2"/>
-            <a:r>
-              <a:rPr lang="en-BE" dirty="0" smtClean="0"/>
-              <a:t>“how is offshore currently distributed over the different continents?”</a:t>
-            </a:r>
-          </a:p>
-          <a:p>
-            <a:pPr lvl="2"/>
-            <a:r>
-              <a:rPr lang="en-BE" dirty="0" smtClean="0"/>
-              <a:t>“what continents are in the lead of renewable wind integration”</a:t>
-            </a:r>
-          </a:p>
-          <a:p>
-            <a:pPr lvl="2"/>
-            <a:r>
-              <a:rPr lang="en-BE" dirty="0" smtClean="0"/>
-              <a:t>“can you find </a:t>
-            </a:r>
-            <a:r>
-              <a:rPr lang="en-BE" i="1" dirty="0" smtClean="0"/>
-              <a:t>attribute X</a:t>
-            </a:r>
-            <a:r>
-              <a:rPr lang="en-BE" b="1" i="1" dirty="0"/>
-              <a:t> </a:t>
-            </a:r>
-            <a:r>
-              <a:rPr lang="en-BE" dirty="0" smtClean="0"/>
-              <a:t>of the biggest windfarm in </a:t>
-            </a:r>
-            <a:r>
-              <a:rPr lang="en-BE" i="1" dirty="0" smtClean="0"/>
-              <a:t>Europe</a:t>
-            </a:r>
-            <a:r>
-              <a:rPr lang="en-BE" dirty="0" smtClean="0"/>
-              <a:t>?</a:t>
-            </a:r>
-            <a:endParaRPr lang="en-BE" i="1" dirty="0" smtClean="0"/>
-          </a:p>
-          <a:p>
-            <a:pPr lvl="2"/>
-            <a:r>
-              <a:rPr lang="en-BE" i="1" dirty="0" smtClean="0"/>
-              <a:t>“how is the installed capacity evolving over time?” (potentially excluded)</a:t>
-            </a:r>
-          </a:p>
-          <a:p>
-            <a:endParaRPr lang="en-BE" i="1" dirty="0" smtClean="0"/>
-          </a:p>
-          <a:p>
-            <a:r>
-              <a:rPr lang="en-BE" i="1" dirty="0" smtClean="0"/>
-              <a:t>Validation:</a:t>
-            </a:r>
-          </a:p>
-          <a:p>
-            <a:pPr lvl="1"/>
-            <a:r>
-              <a:rPr lang="en-BE" dirty="0" smtClean="0"/>
-              <a:t>no interviews</a:t>
-            </a:r>
-          </a:p>
-          <a:p>
-            <a:pPr lvl="1"/>
-            <a:r>
-              <a:rPr lang="en-US" dirty="0"/>
-              <a:t>try to imagine yourself in the role of </a:t>
-            </a:r>
-            <a:r>
-              <a:rPr lang="en-BE" dirty="0" smtClean="0"/>
-              <a:t>high school </a:t>
-            </a:r>
-            <a:r>
-              <a:rPr lang="en-US" dirty="0" smtClean="0"/>
-              <a:t>student</a:t>
-            </a:r>
-            <a:endParaRPr lang="en-BE" dirty="0" smtClean="0"/>
-          </a:p>
-          <a:p>
-            <a:pPr lvl="1"/>
-            <a:r>
-              <a:rPr lang="en-BE" dirty="0" smtClean="0"/>
-              <a:t>maybe </a:t>
-            </a:r>
-            <a:r>
-              <a:rPr lang="en-BE" dirty="0" smtClean="0"/>
-              <a:t>ask </a:t>
-            </a:r>
-            <a:r>
-              <a:rPr lang="en-BE" dirty="0" smtClean="0"/>
-              <a:t>a student? </a:t>
-            </a:r>
-            <a:r>
-              <a:rPr lang="en-BE" dirty="0" smtClean="0"/>
-              <a:t>(not yet decided)</a:t>
+              <a:t>The dataset – quality issues</a:t>
             </a:r>
             <a:endParaRPr lang="nl-BE" dirty="0"/>
           </a:p>
@@ -7278,31 +7639,151 @@
         </p:blipFill>
         <p:spPr>
           <a:xfrm>
-            <a:off x="9274002" y="126877"/>
-            <a:ext cx="2738984" cy="2192634"/>
+            <a:off x="5653651" y="1967696"/>
+            <a:ext cx="6373611" cy="4501457"/>
           </a:xfrm>
           <a:prstGeom prst="rect">
             <a:avLst/>
           </a:prstGeom>
         </p:spPr>
       </p:pic>
+      <p:pic>
+        <p:nvPicPr>
+          <p:cNvPr id="4" name="Picture 3"/>
+          <p:cNvPicPr>
+            <a:picLocks noChangeAspect="1"/>
+          </p:cNvPicPr>
+          <p:nvPr/>
+        </p:nvPicPr>
+        <p:blipFill>
+          <a:blip r:embed="rId3"/>
+          <a:stretch>
+            <a:fillRect/>
+          </a:stretch>
+        </p:blipFill>
+        <p:spPr>
+          <a:xfrm>
+            <a:off x="450913" y="4358542"/>
+            <a:ext cx="5060962" cy="1701693"/>
+          </a:xfrm>
+          <a:prstGeom prst="rect">
+            <a:avLst/>
+          </a:prstGeom>
+        </p:spPr>
+      </p:pic>
+      <p:cxnSp>
+        <p:nvCxnSpPr>
+          <p:cNvPr id="7" name="Straight Arrow Connector 6"/>
+          <p:cNvCxnSpPr/>
+          <p:nvPr/>
+        </p:nvCxnSpPr>
+        <p:spPr>
+          <a:xfrm>
+            <a:off x="5511875" y="5092861"/>
+            <a:ext cx="2683001" cy="659757"/>
+          </a:xfrm>
+          <a:prstGeom prst="straightConnector1">
+            <a:avLst/>
+          </a:prstGeom>
+          <a:ln w="38100">
+            <a:solidFill>
+              <a:srgbClr val="FF0000"/>
+            </a:solidFill>
+            <a:tailEnd type="triangle"/>
+          </a:ln>
+        </p:spPr>
+        <p:style>
+          <a:lnRef idx="1">
+            <a:schemeClr val="accent1"/>
+          </a:lnRef>
+          <a:fillRef idx="0">
+            <a:schemeClr val="accent1"/>
+          </a:fillRef>
+          <a:effectRef idx="0">
+            <a:schemeClr val="accent1"/>
+          </a:effectRef>
+          <a:fontRef idx="minor">
+            <a:schemeClr val="tx1"/>
+          </a:fontRef>
+        </p:style>
+      </p:cxnSp>
+      <p:sp>
+        <p:nvSpPr>
+          <p:cNvPr id="8" name="TextBox 7"/>
+          <p:cNvSpPr txBox="1"/>
+          <p:nvPr/>
+        </p:nvSpPr>
+        <p:spPr>
+          <a:xfrm>
+            <a:off x="309137" y="1410321"/>
+            <a:ext cx="5578998" cy="2031325"/>
+          </a:xfrm>
+          <a:prstGeom prst="rect">
+            <a:avLst/>
+          </a:prstGeom>
+          <a:noFill/>
+        </p:spPr>
+        <p:txBody>
+          <a:bodyPr wrap="square" rtlCol="0">
+            <a:spAutoFit/>
+          </a:bodyPr>
+          <a:lstStyle/>
+          <a:p>
+            <a:pPr marL="285750" indent="-285750">
+              <a:buFont typeface="Arial" panose="020B0604020202020204" pitchFamily="34" charset="0"/>
+              <a:buChar char="•"/>
+            </a:pPr>
+            <a:r>
+              <a:rPr lang="en-BE" dirty="0" smtClean="0"/>
+              <a:t>sample crosscheck done both on operating &amp; announced projects</a:t>
+            </a:r>
+          </a:p>
+          <a:p>
+            <a:pPr marL="285750" indent="-285750">
+              <a:buFont typeface="Arial" panose="020B0604020202020204" pitchFamily="34" charset="0"/>
+              <a:buChar char="•"/>
+            </a:pPr>
+            <a:endParaRPr lang="en-BE" dirty="0"/>
+          </a:p>
+          <a:p>
+            <a:pPr marL="285750" indent="-285750">
+              <a:buFont typeface="Arial" panose="020B0604020202020204" pitchFamily="34" charset="0"/>
+              <a:buChar char="•"/>
+            </a:pPr>
+            <a:r>
+              <a:rPr lang="en-BE" dirty="0" smtClean="0"/>
+              <a:t>issues only exist with announced projects</a:t>
+            </a:r>
+          </a:p>
+          <a:p>
+            <a:pPr marL="285750" indent="-285750">
+              <a:buFont typeface="Arial" panose="020B0604020202020204" pitchFamily="34" charset="0"/>
+              <a:buChar char="•"/>
+            </a:pPr>
+            <a:endParaRPr lang="en-BE" dirty="0"/>
+          </a:p>
+          <a:p>
+            <a:pPr marL="285750" indent="-285750">
+              <a:buFont typeface="Arial" panose="020B0604020202020204" pitchFamily="34" charset="0"/>
+              <a:buChar char="•"/>
+            </a:pPr>
+            <a:r>
+              <a:rPr lang="en-BE" dirty="0" smtClean="0"/>
+              <a:t>capacities &gt; 10GW will be removed from the dataset</a:t>
+            </a:r>
+          </a:p>
+        </p:txBody>
+      </p:sp>
     </p:spTree>
     <p:extLst>
       <p:ext uri="{BB962C8B-B14F-4D97-AF65-F5344CB8AC3E}">
-        <p14:creationId xmlns:p14="http://schemas.microsoft.com/office/powerpoint/2010/main" val="1528282981"/>
+        <p14:creationId xmlns:p14="http://schemas.microsoft.com/office/powerpoint/2010/main" val="1604318787"/>
       </p:ext>
     </p:extLst>
   </p:cSld>
   <p:clrMapOvr>
     <a:masterClrMapping/>
   </p:clrMapOvr>
-  <p:timing>
-    <p:tnLst>
-      <p:par>
-        <p:cTn id="1" dur="indefinite" restart="never" nodeType="tmRoot"/>
-      </p:par>
-    </p:tnLst>
-  </p:timing>
 </p:sld>
 </file>
 
@@ -7340,7 +7821,7 @@
           <a:p>
             <a:r>
               <a:rPr lang="en-BE" dirty="0" smtClean="0"/>
-              <a:t>Validation: data/task abstraction</a:t>
+              <a:t>Validation: domain situation</a:t>
             </a:r>
             <a:endParaRPr lang="nl-BE" dirty="0"/>
           </a:p>
@@ -7377,92 +7858,104 @@
             <a:pPr lvl="1"/>
             <a:r>
               <a:rPr lang="en-BE" dirty="0" smtClean="0"/>
-              <a:t>the data is hiërarchical, fine data can easily be bucketed into aggregate categories</a:t>
+              <a:t>Target user: high school STEM student. They know electrical power is expressed in Watt, they know the prefix M, they know a windmill produces electrical energy.</a:t>
             </a:r>
           </a:p>
           <a:p>
             <a:pPr lvl="1"/>
             <a:r>
               <a:rPr lang="en-BE" dirty="0" smtClean="0"/>
-              <a:t>questions 1 and 2 are ‘analyse’ questions.</a:t>
+              <a:t>Key questions:</a:t>
+            </a:r>
+          </a:p>
+          <a:p>
+            <a:pPr lvl="2"/>
+            <a:r>
+              <a:rPr lang="en-BE" dirty="0" smtClean="0"/>
+              <a:t>“how is offshore currently distributed over the different continents?”</a:t>
+            </a:r>
+          </a:p>
+          <a:p>
+            <a:pPr lvl="2"/>
+            <a:r>
+              <a:rPr lang="en-BE" dirty="0" smtClean="0"/>
+              <a:t>“what continents are in the lead of renewable wind integration”</a:t>
+            </a:r>
+          </a:p>
+          <a:p>
+            <a:pPr lvl="2"/>
+            <a:r>
+              <a:rPr lang="en-BE" dirty="0" smtClean="0"/>
+              <a:t>“can you find </a:t>
+            </a:r>
+            <a:r>
+              <a:rPr lang="en-BE" i="1" dirty="0" smtClean="0"/>
+              <a:t>attribute X</a:t>
+            </a:r>
+            <a:r>
+              <a:rPr lang="en-BE" b="1" i="1" dirty="0"/>
+              <a:t> </a:t>
+            </a:r>
+            <a:r>
+              <a:rPr lang="en-BE" dirty="0" smtClean="0"/>
+              <a:t>of the biggest windfarm in </a:t>
+            </a:r>
+            <a:r>
+              <a:rPr lang="en-BE" i="1" dirty="0" smtClean="0"/>
+              <a:t>Europe</a:t>
+            </a:r>
+            <a:r>
+              <a:rPr lang="en-BE" dirty="0" smtClean="0"/>
+              <a:t>?</a:t>
+            </a:r>
+            <a:endParaRPr lang="en-BE" i="1" dirty="0" smtClean="0"/>
+          </a:p>
+          <a:p>
+            <a:pPr lvl="2"/>
+            <a:r>
+              <a:rPr lang="en-BE" i="1" dirty="0" smtClean="0"/>
+              <a:t>“how is the installed capacity evolving over time?” (potentially excluded)</a:t>
+            </a:r>
+          </a:p>
+          <a:p>
+            <a:endParaRPr lang="en-BE" i="1" dirty="0" smtClean="0"/>
+          </a:p>
+          <a:p>
+            <a:r>
+              <a:rPr lang="en-BE" i="1" dirty="0" smtClean="0"/>
+              <a:t>Validation:</a:t>
             </a:r>
           </a:p>
           <a:p>
             <a:pPr lvl="1"/>
             <a:r>
               <a:rPr lang="en-BE" dirty="0" smtClean="0"/>
-              <a:t>question 3 combines both the ‘search’ with the ‘query’ aspect of a viz.</a:t>
+              <a:t>no interviews</a:t>
             </a:r>
           </a:p>
           <a:p>
             <a:pPr lvl="1"/>
             <a:r>
+              <a:rPr lang="en-US" dirty="0"/>
+              <a:t>try to imagine yourself in the role of </a:t>
+            </a:r>
+            <a:r>
               <a:rPr lang="en-BE" dirty="0" smtClean="0"/>
-              <a:t>at first both location &amp; power will be unknown</a:t>
-            </a:r>
+              <a:t>high school </a:t>
+            </a:r>
+            <a:r>
+              <a:rPr lang="en-US" dirty="0" smtClean="0"/>
+              <a:t>student</a:t>
+            </a:r>
+            <a:endParaRPr lang="en-BE" dirty="0" smtClean="0"/>
           </a:p>
           <a:p>
             <a:pPr lvl="1"/>
             <a:r>
-              <a:rPr lang="en-BE" dirty="0" smtClean="0">
-                <a:sym typeface="Wingdings" panose="05000000000000000000" pitchFamily="2" charset="2"/>
-              </a:rPr>
-              <a:t> </a:t>
-            </a:r>
-            <a:r>
               <a:rPr lang="en-BE" dirty="0" smtClean="0"/>
-              <a:t>then you order by power </a:t>
-            </a:r>
-            <a:r>
-              <a:rPr lang="en-BE" dirty="0" smtClean="0">
-                <a:sym typeface="Wingdings" panose="05000000000000000000" pitchFamily="2" charset="2"/>
-              </a:rPr>
-              <a:t> </a:t>
-            </a:r>
-            <a:r>
-              <a:rPr lang="en-BE" dirty="0" smtClean="0"/>
-              <a:t>then you locate </a:t>
-            </a:r>
-            <a:r>
-              <a:rPr lang="en-BE" dirty="0" smtClean="0">
-                <a:sym typeface="Wingdings" panose="05000000000000000000" pitchFamily="2" charset="2"/>
-              </a:rPr>
-              <a:t> then you query</a:t>
-            </a:r>
-          </a:p>
-          <a:p>
-            <a:endParaRPr lang="en-BE" dirty="0">
-              <a:sym typeface="Wingdings" panose="05000000000000000000" pitchFamily="2" charset="2"/>
-            </a:endParaRPr>
-          </a:p>
-          <a:p>
-            <a:r>
-              <a:rPr lang="en-BE" dirty="0"/>
-              <a:t>Validation:</a:t>
-            </a:r>
-            <a:endParaRPr lang="en-BE" dirty="0" smtClean="0">
-              <a:solidFill>
-                <a:srgbClr val="FF0000"/>
-              </a:solidFill>
-              <a:sym typeface="Wingdings" panose="05000000000000000000" pitchFamily="2" charset="2"/>
-            </a:endParaRPr>
-          </a:p>
-          <a:p>
-            <a:pPr lvl="1"/>
-            <a:r>
-              <a:rPr lang="en-BE" dirty="0" smtClean="0">
-                <a:solidFill>
-                  <a:srgbClr val="FF0000"/>
-                </a:solidFill>
-                <a:sym typeface="Wingdings" panose="05000000000000000000" pitchFamily="2" charset="2"/>
-              </a:rPr>
-              <a:t>this layer is the least ‘clear’ to us, can we discuss how to assess data/abstraction better and avoid jumping from domain -&gt; idiom selection?</a:t>
-            </a:r>
-            <a:endParaRPr lang="en-BE" dirty="0" smtClean="0">
-              <a:solidFill>
-                <a:srgbClr val="FF0000"/>
-              </a:solidFill>
-            </a:endParaRPr>
+              <a:t>maybe ask a student? (not yet decided)</a:t>
+            </a:r>
+            <a:endParaRPr lang="nl-BE" dirty="0"/>
           </a:p>
         </p:txBody>
       </p:sp>
@@ -7493,7 +7986,7 @@
     </p:spTree>
     <p:extLst>
       <p:ext uri="{BB962C8B-B14F-4D97-AF65-F5344CB8AC3E}">
-        <p14:creationId xmlns:p14="http://schemas.microsoft.com/office/powerpoint/2010/main" val="1613134721"/>
+        <p14:creationId xmlns:p14="http://schemas.microsoft.com/office/powerpoint/2010/main" val="1528282981"/>
       </p:ext>
     </p:extLst>
   </p:cSld>
@@ -7544,11 +8037,7 @@
           <a:p>
             <a:r>
               <a:rPr lang="en-BE" dirty="0" smtClean="0"/>
-              <a:t>Validation: idiom </a:t>
-            </a:r>
-            <a:r>
-              <a:rPr lang="en-BE" dirty="0" smtClean="0"/>
-              <a:t>selection (i)</a:t>
+              <a:t>Validation: data/task abstraction</a:t>
             </a:r>
             <a:endParaRPr lang="nl-BE" dirty="0"/>
           </a:p>
@@ -7585,88 +8074,92 @@
             <a:pPr lvl="1"/>
             <a:r>
               <a:rPr lang="en-BE" dirty="0" smtClean="0"/>
-              <a:t>filters: </a:t>
-            </a:r>
-          </a:p>
-          <a:p>
-            <a:pPr lvl="2"/>
+              <a:t>the data is hiërarchical, fine data can easily be bucketed into aggregate categories</a:t>
+            </a:r>
+          </a:p>
+          <a:p>
+            <a:pPr lvl="1"/>
             <a:r>
               <a:rPr lang="en-BE" dirty="0" smtClean="0"/>
-              <a:t>alphabetical combo boxes for categorical values</a:t>
-            </a:r>
-          </a:p>
-          <a:p>
-            <a:pPr lvl="2"/>
+              <a:t>questions 1 and 2 are ‘analyse’ questions.</a:t>
+            </a:r>
+          </a:p>
+          <a:p>
+            <a:pPr lvl="1"/>
             <a:r>
               <a:rPr lang="en-BE" dirty="0" smtClean="0"/>
-              <a:t>slider for time scale</a:t>
-            </a:r>
-          </a:p>
-          <a:p>
-            <a:pPr lvl="2"/>
+              <a:t>question 3 combines both the ‘search’ with the ‘query’ aspect of a viz.</a:t>
+            </a:r>
+          </a:p>
+          <a:p>
+            <a:pPr lvl="1"/>
             <a:r>
               <a:rPr lang="en-BE" dirty="0" smtClean="0"/>
-              <a:t>BANs* for 1st hiërarchical level (e.g. continent) showing immediatly some summary statistics</a:t>
+              <a:t>at first both location &amp; power will be unknown</a:t>
             </a:r>
           </a:p>
           <a:p>
             <a:pPr lvl="1"/>
             <a:r>
+              <a:rPr lang="en-BE" dirty="0" smtClean="0">
+                <a:sym typeface="Wingdings" panose="05000000000000000000" pitchFamily="2" charset="2"/>
+              </a:rPr>
+              <a:t> </a:t>
+            </a:r>
+            <a:r>
               <a:rPr lang="en-BE" dirty="0" smtClean="0"/>
-              <a:t>geographical distribution:</a:t>
-            </a:r>
-          </a:p>
-          <a:p>
-            <a:pPr lvl="2"/>
+              <a:t>then you order by power </a:t>
+            </a:r>
+            <a:r>
+              <a:rPr lang="en-BE" dirty="0" smtClean="0">
+                <a:sym typeface="Wingdings" panose="05000000000000000000" pitchFamily="2" charset="2"/>
+              </a:rPr>
+              <a:t> </a:t>
+            </a:r>
             <a:r>
               <a:rPr lang="en-BE" dirty="0" smtClean="0"/>
-              <a:t>map with dots</a:t>
-            </a:r>
-          </a:p>
-          <a:p>
-            <a:pPr lvl="2"/>
-            <a:r>
-              <a:rPr lang="en-BE" dirty="0" smtClean="0"/>
-              <a:t>no choropleth – offshore concessions are often very small (area too small to use color/hue as channel)</a:t>
-            </a:r>
-          </a:p>
-          <a:p>
-            <a:pPr lvl="2"/>
-            <a:r>
-              <a:rPr lang="en-BE" dirty="0" smtClean="0"/>
-              <a:t>size as channel for power rating</a:t>
-            </a:r>
+              <a:t>then you locate </a:t>
+            </a:r>
+            <a:r>
+              <a:rPr lang="en-BE" dirty="0" smtClean="0">
+                <a:sym typeface="Wingdings" panose="05000000000000000000" pitchFamily="2" charset="2"/>
+              </a:rPr>
+              <a:t> then you query</a:t>
+            </a:r>
+          </a:p>
+          <a:p>
+            <a:endParaRPr lang="en-BE" dirty="0">
+              <a:sym typeface="Wingdings" panose="05000000000000000000" pitchFamily="2" charset="2"/>
+            </a:endParaRPr>
+          </a:p>
+          <a:p>
+            <a:r>
+              <a:rPr lang="en-BE" dirty="0"/>
+              <a:t>Validation:</a:t>
+            </a:r>
+            <a:endParaRPr lang="en-BE" dirty="0" smtClean="0">
+              <a:solidFill>
+                <a:srgbClr val="FF0000"/>
+              </a:solidFill>
+              <a:sym typeface="Wingdings" panose="05000000000000000000" pitchFamily="2" charset="2"/>
+            </a:endParaRPr>
           </a:p>
           <a:p>
             <a:pPr lvl="1"/>
             <a:r>
-              <a:rPr lang="en-BE" dirty="0" smtClean="0"/>
-              <a:t>top stations:</a:t>
-            </a:r>
-          </a:p>
-          <a:p>
-            <a:pPr lvl="2"/>
-            <a:r>
-              <a:rPr lang="en-BE" dirty="0" smtClean="0"/>
-              <a:t>horizontal bar chart</a:t>
-            </a:r>
-          </a:p>
-          <a:p>
-            <a:pPr lvl="2"/>
-            <a:r>
-              <a:rPr lang="en-BE" dirty="0" smtClean="0"/>
-              <a:t>position as channel for power rating + maybe second channel (luminance?)</a:t>
-            </a:r>
-          </a:p>
-          <a:p>
-            <a:pPr marL="457200" lvl="1" indent="0">
-              <a:buNone/>
-            </a:pPr>
-            <a:endParaRPr lang="en-BE" dirty="0"/>
-          </a:p>
-          <a:p>
-            <a:pPr lvl="1"/>
-            <a:endParaRPr lang="en-BE" dirty="0" smtClean="0"/>
+              <a:rPr lang="en-BE" dirty="0" smtClean="0">
+                <a:solidFill>
+                  <a:srgbClr val="FF0000"/>
+                </a:solidFill>
+                <a:sym typeface="Wingdings" panose="05000000000000000000" pitchFamily="2" charset="2"/>
+              </a:rPr>
+              <a:t>this layer is the least ‘clear’ to us, can we discuss how to assess data/abstraction better and avoid jumping from domain -&gt; idiom selection?</a:t>
+            </a:r>
+            <a:endParaRPr lang="en-BE" dirty="0" smtClean="0">
+              <a:solidFill>
+                <a:srgbClr val="FF0000"/>
+              </a:solidFill>
+            </a:endParaRPr>
           </a:p>
         </p:txBody>
       </p:sp>
@@ -7694,48 +8187,10 @@
           </a:prstGeom>
         </p:spPr>
       </p:pic>
-      <p:sp>
-        <p:nvSpPr>
-          <p:cNvPr id="4" name="TextBox 3"/>
-          <p:cNvSpPr txBox="1"/>
-          <p:nvPr/>
-        </p:nvSpPr>
-        <p:spPr>
-          <a:xfrm>
-            <a:off x="8657863" y="6481823"/>
-            <a:ext cx="3437681" cy="246221"/>
-          </a:xfrm>
-          <a:prstGeom prst="rect">
-            <a:avLst/>
-          </a:prstGeom>
-          <a:noFill/>
-        </p:spPr>
-        <p:txBody>
-          <a:bodyPr wrap="square" rtlCol="0">
-            <a:spAutoFit/>
-          </a:bodyPr>
-          <a:lstStyle/>
-          <a:p>
-            <a:r>
-              <a:rPr lang="en-BE" sz="1000" dirty="0"/>
-              <a:t>*</a:t>
-            </a:r>
-            <a:r>
-              <a:rPr lang="en-US" sz="1000" dirty="0" smtClean="0"/>
-              <a:t>“</a:t>
-            </a:r>
-            <a:r>
-              <a:rPr lang="en-US" sz="1000" dirty="0"/>
-              <a:t>Big Aggregate Numbers” or “Big Actionable Numbers”</a:t>
-            </a:r>
-            <a:endParaRPr lang="nl-BE" sz="1000" dirty="0"/>
-          </a:p>
-        </p:txBody>
-      </p:sp>
     </p:spTree>
     <p:extLst>
       <p:ext uri="{BB962C8B-B14F-4D97-AF65-F5344CB8AC3E}">
-        <p14:creationId xmlns:p14="http://schemas.microsoft.com/office/powerpoint/2010/main" val="199770149"/>
+        <p14:creationId xmlns:p14="http://schemas.microsoft.com/office/powerpoint/2010/main" val="1613134721"/>
       </p:ext>
     </p:extLst>
   </p:cSld>
@@ -7786,11 +8241,245 @@
           <a:p>
             <a:r>
               <a:rPr lang="en-BE" dirty="0" smtClean="0"/>
-              <a:t>Validation: idiom </a:t>
-            </a:r>
+              <a:t>Validation: idiom selection (i)</a:t>
+            </a:r>
+            <a:endParaRPr lang="nl-BE" dirty="0"/>
+          </a:p>
+        </p:txBody>
+      </p:sp>
+      <p:sp>
+        <p:nvSpPr>
+          <p:cNvPr id="3" name="Content Placeholder 2"/>
+          <p:cNvSpPr>
+            <a:spLocks noGrp="1"/>
+          </p:cNvSpPr>
+          <p:nvPr>
+            <p:ph idx="1"/>
+          </p:nvPr>
+        </p:nvSpPr>
+        <p:spPr>
+          <a:xfrm>
+            <a:off x="677334" y="1551008"/>
+            <a:ext cx="8596668" cy="5046561"/>
+          </a:xfrm>
+        </p:spPr>
+        <p:txBody>
+          <a:bodyPr>
+            <a:normAutofit/>
+          </a:bodyPr>
+          <a:lstStyle/>
+          <a:p>
             <a:r>
               <a:rPr lang="en-BE" dirty="0" smtClean="0"/>
-              <a:t>selection (ii)</a:t>
+              <a:t>Assessment:</a:t>
+            </a:r>
+          </a:p>
+          <a:p>
+            <a:pPr lvl="1"/>
+            <a:r>
+              <a:rPr lang="en-BE" dirty="0" smtClean="0"/>
+              <a:t>filters: </a:t>
+            </a:r>
+          </a:p>
+          <a:p>
+            <a:pPr lvl="2"/>
+            <a:r>
+              <a:rPr lang="en-BE" dirty="0" smtClean="0"/>
+              <a:t>alphabetical combo boxes for categorical values</a:t>
+            </a:r>
+          </a:p>
+          <a:p>
+            <a:pPr lvl="2"/>
+            <a:r>
+              <a:rPr lang="en-BE" dirty="0" smtClean="0"/>
+              <a:t>slider for time scale</a:t>
+            </a:r>
+          </a:p>
+          <a:p>
+            <a:pPr lvl="2"/>
+            <a:r>
+              <a:rPr lang="en-BE" dirty="0" smtClean="0"/>
+              <a:t>BANs* for 1st hiërarchical level (e.g. continent) showing immediatly some summary statistics</a:t>
+            </a:r>
+          </a:p>
+          <a:p>
+            <a:pPr lvl="1"/>
+            <a:r>
+              <a:rPr lang="en-BE" dirty="0" smtClean="0"/>
+              <a:t>geographical distribution:</a:t>
+            </a:r>
+          </a:p>
+          <a:p>
+            <a:pPr lvl="2"/>
+            <a:r>
+              <a:rPr lang="en-BE" dirty="0" smtClean="0"/>
+              <a:t>map with dots</a:t>
+            </a:r>
+          </a:p>
+          <a:p>
+            <a:pPr lvl="2"/>
+            <a:r>
+              <a:rPr lang="en-BE" dirty="0" smtClean="0"/>
+              <a:t>no choropleth – offshore concessions are often very small (area too small to use color/hue as channel)</a:t>
+            </a:r>
+          </a:p>
+          <a:p>
+            <a:pPr lvl="2"/>
+            <a:r>
+              <a:rPr lang="en-BE" dirty="0" smtClean="0"/>
+              <a:t>size as channel for power rating</a:t>
+            </a:r>
+          </a:p>
+          <a:p>
+            <a:pPr lvl="1"/>
+            <a:r>
+              <a:rPr lang="en-BE" dirty="0" smtClean="0"/>
+              <a:t>top stations:</a:t>
+            </a:r>
+          </a:p>
+          <a:p>
+            <a:pPr lvl="2"/>
+            <a:r>
+              <a:rPr lang="en-BE" dirty="0" smtClean="0"/>
+              <a:t>horizontal bar chart</a:t>
+            </a:r>
+          </a:p>
+          <a:p>
+            <a:pPr lvl="2"/>
+            <a:r>
+              <a:rPr lang="en-BE" dirty="0" smtClean="0"/>
+              <a:t>position as channel for power rating + maybe second channel (luminance?)</a:t>
+            </a:r>
+          </a:p>
+          <a:p>
+            <a:pPr marL="457200" lvl="1" indent="0">
+              <a:buNone/>
+            </a:pPr>
+            <a:endParaRPr lang="en-BE" dirty="0"/>
+          </a:p>
+          <a:p>
+            <a:pPr lvl="1"/>
+            <a:endParaRPr lang="en-BE" dirty="0" smtClean="0"/>
+          </a:p>
+        </p:txBody>
+      </p:sp>
+      <p:pic>
+        <p:nvPicPr>
+          <p:cNvPr id="5" name="Picture 4"/>
+          <p:cNvPicPr>
+            <a:picLocks noChangeAspect="1"/>
+          </p:cNvPicPr>
+          <p:nvPr/>
+        </p:nvPicPr>
+        <p:blipFill>
+          <a:blip r:embed="rId2"/>
+          <a:stretch>
+            <a:fillRect/>
+          </a:stretch>
+        </p:blipFill>
+        <p:spPr>
+          <a:xfrm>
+            <a:off x="9274002" y="126877"/>
+            <a:ext cx="2738984" cy="2192634"/>
+          </a:xfrm>
+          <a:prstGeom prst="rect">
+            <a:avLst/>
+          </a:prstGeom>
+        </p:spPr>
+      </p:pic>
+      <p:sp>
+        <p:nvSpPr>
+          <p:cNvPr id="4" name="TextBox 3"/>
+          <p:cNvSpPr txBox="1"/>
+          <p:nvPr/>
+        </p:nvSpPr>
+        <p:spPr>
+          <a:xfrm>
+            <a:off x="8657863" y="6481823"/>
+            <a:ext cx="3437681" cy="246221"/>
+          </a:xfrm>
+          <a:prstGeom prst="rect">
+            <a:avLst/>
+          </a:prstGeom>
+          <a:noFill/>
+        </p:spPr>
+        <p:txBody>
+          <a:bodyPr wrap="square" rtlCol="0">
+            <a:spAutoFit/>
+          </a:bodyPr>
+          <a:lstStyle/>
+          <a:p>
+            <a:r>
+              <a:rPr lang="en-BE" sz="1000" dirty="0"/>
+              <a:t>*</a:t>
+            </a:r>
+            <a:r>
+              <a:rPr lang="en-US" sz="1000" dirty="0" smtClean="0"/>
+              <a:t>“</a:t>
+            </a:r>
+            <a:r>
+              <a:rPr lang="en-US" sz="1000" dirty="0"/>
+              <a:t>Big Aggregate Numbers” or “Big Actionable Numbers”</a:t>
+            </a:r>
+            <a:endParaRPr lang="nl-BE" sz="1000" dirty="0"/>
+          </a:p>
+        </p:txBody>
+      </p:sp>
+    </p:spTree>
+    <p:extLst>
+      <p:ext uri="{BB962C8B-B14F-4D97-AF65-F5344CB8AC3E}">
+        <p14:creationId xmlns:p14="http://schemas.microsoft.com/office/powerpoint/2010/main" val="199770149"/>
+      </p:ext>
+    </p:extLst>
+  </p:cSld>
+  <p:clrMapOvr>
+    <a:masterClrMapping/>
+  </p:clrMapOvr>
+  <p:timing>
+    <p:tnLst>
+      <p:par>
+        <p:cTn id="1" dur="indefinite" restart="never" nodeType="tmRoot"/>
+      </p:par>
+    </p:tnLst>
+  </p:timing>
+</p:sld>
+</file>
+
+<file path=ppt/slides/slide8.xml><?xml version="1.0" encoding="utf-8"?>
+<p:sld xmlns:a="http://schemas.openxmlformats.org/drawingml/2006/main" xmlns:r="http://schemas.openxmlformats.org/officeDocument/2006/relationships" xmlns:p="http://schemas.openxmlformats.org/presentationml/2006/main">
+  <p:cSld>
+    <p:spTree>
+      <p:nvGrpSpPr>
+        <p:cNvPr id="1" name=""/>
+        <p:cNvGrpSpPr/>
+        <p:nvPr/>
+      </p:nvGrpSpPr>
+      <p:grpSpPr>
+        <a:xfrm>
+          <a:off x="0" y="0"/>
+          <a:ext cx="0" cy="0"/>
+          <a:chOff x="0" y="0"/>
+          <a:chExt cx="0" cy="0"/>
+        </a:xfrm>
+      </p:grpSpPr>
+      <p:sp>
+        <p:nvSpPr>
+          <p:cNvPr id="2" name="Title 1"/>
+          <p:cNvSpPr>
+            <a:spLocks noGrp="1"/>
+          </p:cNvSpPr>
+          <p:nvPr>
+            <p:ph type="title"/>
+          </p:nvPr>
+        </p:nvSpPr>
+        <p:spPr/>
+        <p:txBody>
+          <a:bodyPr/>
+          <a:lstStyle/>
+          <a:p>
+            <a:r>
+              <a:rPr lang="en-BE" dirty="0" smtClean="0"/>
+              <a:t>Validation: idiom selection (ii)</a:t>
             </a:r>
             <a:endParaRPr lang="nl-BE" dirty="0"/>
           </a:p>
@@ -7949,7 +8638,7 @@
 </p:sld>
 </file>
 
-<file path=ppt/slides/slide8.xml><?xml version="1.0" encoding="utf-8"?>
+<file path=ppt/slides/slide9.xml><?xml version="1.0" encoding="utf-8"?>
 <p:sld xmlns:a="http://schemas.openxmlformats.org/drawingml/2006/main" xmlns:r="http://schemas.openxmlformats.org/officeDocument/2006/relationships" xmlns:p="http://schemas.openxmlformats.org/presentationml/2006/main">
   <p:cSld>
     <p:spTree>
@@ -9151,215 +9840,6 @@
 </p:sld>
 </file>
 
-<file path=ppt/slides/slide9.xml><?xml version="1.0" encoding="utf-8"?>
-<p:sld xmlns:a="http://schemas.openxmlformats.org/drawingml/2006/main" xmlns:r="http://schemas.openxmlformats.org/officeDocument/2006/relationships" xmlns:p="http://schemas.openxmlformats.org/presentationml/2006/main">
-  <p:cSld>
-    <p:spTree>
-      <p:nvGrpSpPr>
-        <p:cNvPr id="1" name=""/>
-        <p:cNvGrpSpPr/>
-        <p:nvPr/>
-      </p:nvGrpSpPr>
-      <p:grpSpPr>
-        <a:xfrm>
-          <a:off x="0" y="0"/>
-          <a:ext cx="0" cy="0"/>
-          <a:chOff x="0" y="0"/>
-          <a:chExt cx="0" cy="0"/>
-        </a:xfrm>
-      </p:grpSpPr>
-      <p:sp>
-        <p:nvSpPr>
-          <p:cNvPr id="2" name="Title 1"/>
-          <p:cNvSpPr>
-            <a:spLocks noGrp="1"/>
-          </p:cNvSpPr>
-          <p:nvPr>
-            <p:ph type="title"/>
-          </p:nvPr>
-        </p:nvSpPr>
-        <p:spPr/>
-        <p:txBody>
-          <a:bodyPr/>
-          <a:lstStyle/>
-          <a:p>
-            <a:r>
-              <a:rPr lang="en-BE" dirty="0" smtClean="0"/>
-              <a:t>Validation: algorithm</a:t>
-            </a:r>
-            <a:endParaRPr lang="nl-BE" dirty="0"/>
-          </a:p>
-        </p:txBody>
-      </p:sp>
-      <p:sp>
-        <p:nvSpPr>
-          <p:cNvPr id="3" name="Content Placeholder 2"/>
-          <p:cNvSpPr>
-            <a:spLocks noGrp="1"/>
-          </p:cNvSpPr>
-          <p:nvPr>
-            <p:ph idx="1"/>
-          </p:nvPr>
-        </p:nvSpPr>
-        <p:spPr>
-          <a:xfrm>
-            <a:off x="677334" y="1551008"/>
-            <a:ext cx="8596668" cy="5046561"/>
-          </a:xfrm>
-        </p:spPr>
-        <p:txBody>
-          <a:bodyPr>
-            <a:normAutofit/>
-          </a:bodyPr>
-          <a:lstStyle/>
-          <a:p>
-            <a:r>
-              <a:rPr lang="en-BE" dirty="0" smtClean="0"/>
-              <a:t>Assessment:</a:t>
-            </a:r>
-          </a:p>
-          <a:p>
-            <a:pPr lvl="1"/>
-            <a:r>
-              <a:rPr lang="en-BE" dirty="0" smtClean="0"/>
-              <a:t>dataset is static, non-streaming</a:t>
-            </a:r>
-          </a:p>
-          <a:p>
-            <a:pPr lvl="1"/>
-            <a:r>
-              <a:rPr lang="en-BE" dirty="0" smtClean="0"/>
-              <a:t>query and summary statistics can be pre-computed</a:t>
-            </a:r>
-          </a:p>
-          <a:p>
-            <a:pPr lvl="1"/>
-            <a:r>
-              <a:rPr lang="en-BE" dirty="0" smtClean="0"/>
-              <a:t>map viz will be slowest section </a:t>
-            </a:r>
-            <a:r>
-              <a:rPr lang="en-BE" dirty="0" smtClean="0">
-                <a:sym typeface="Wingdings" panose="05000000000000000000" pitchFamily="2" charset="2"/>
-              </a:rPr>
-              <a:t> try second framework if first does not suffice</a:t>
-            </a:r>
-          </a:p>
-          <a:p>
-            <a:pPr lvl="2"/>
-            <a:r>
-              <a:rPr lang="en-BE" dirty="0" smtClean="0">
-                <a:sym typeface="Wingdings" panose="05000000000000000000" pitchFamily="2" charset="2"/>
-              </a:rPr>
-              <a:t>see next slide</a:t>
-            </a:r>
-            <a:endParaRPr lang="en-BE" dirty="0" smtClean="0"/>
-          </a:p>
-          <a:p>
-            <a:pPr lvl="1"/>
-            <a:endParaRPr lang="en-BE" dirty="0"/>
-          </a:p>
-          <a:p>
-            <a:r>
-              <a:rPr lang="en-BE" dirty="0" smtClean="0"/>
-              <a:t>Validation:</a:t>
-            </a:r>
-          </a:p>
-          <a:p>
-            <a:pPr lvl="1"/>
-            <a:r>
-              <a:rPr lang="en-BE" dirty="0" smtClean="0"/>
-              <a:t>measure it</a:t>
-            </a:r>
-            <a:endParaRPr lang="en-BE" dirty="0"/>
-          </a:p>
-          <a:p>
-            <a:endParaRPr lang="en-BE" dirty="0" smtClean="0"/>
-          </a:p>
-        </p:txBody>
-      </p:sp>
-      <p:pic>
-        <p:nvPicPr>
-          <p:cNvPr id="5" name="Picture 4"/>
-          <p:cNvPicPr>
-            <a:picLocks noChangeAspect="1"/>
-          </p:cNvPicPr>
-          <p:nvPr/>
-        </p:nvPicPr>
-        <p:blipFill>
-          <a:blip r:embed="rId2"/>
-          <a:stretch>
-            <a:fillRect/>
-          </a:stretch>
-        </p:blipFill>
-        <p:spPr>
-          <a:xfrm>
-            <a:off x="9274002" y="126877"/>
-            <a:ext cx="2738984" cy="2192634"/>
-          </a:xfrm>
-          <a:prstGeom prst="rect">
-            <a:avLst/>
-          </a:prstGeom>
-        </p:spPr>
-      </p:pic>
-      <p:sp>
-        <p:nvSpPr>
-          <p:cNvPr id="4" name="TextBox 3"/>
-          <p:cNvSpPr txBox="1"/>
-          <p:nvPr/>
-        </p:nvSpPr>
-        <p:spPr>
-          <a:xfrm>
-            <a:off x="8657863" y="6481823"/>
-            <a:ext cx="3437681" cy="246221"/>
-          </a:xfrm>
-          <a:prstGeom prst="rect">
-            <a:avLst/>
-          </a:prstGeom>
-          <a:noFill/>
-        </p:spPr>
-        <p:txBody>
-          <a:bodyPr wrap="square" rtlCol="0">
-            <a:spAutoFit/>
-          </a:bodyPr>
-          <a:lstStyle/>
-          <a:p>
-            <a:r>
-              <a:rPr lang="en-BE" sz="1000" dirty="0"/>
-              <a:t>*</a:t>
-            </a:r>
-            <a:r>
-              <a:rPr lang="en-US" sz="1000" dirty="0" smtClean="0"/>
-              <a:t>“</a:t>
-            </a:r>
-            <a:r>
-              <a:rPr lang="en-US" sz="1000" dirty="0"/>
-              <a:t>Big Aggregate Numbers” or “Big Actionable Numbers”</a:t>
-            </a:r>
-            <a:endParaRPr lang="nl-BE" sz="1000" dirty="0"/>
-          </a:p>
-        </p:txBody>
-      </p:sp>
-    </p:spTree>
-    <p:extLst>
-      <p:ext uri="{BB962C8B-B14F-4D97-AF65-F5344CB8AC3E}">
-        <p14:creationId xmlns:p14="http://schemas.microsoft.com/office/powerpoint/2010/main" val="3309214360"/>
-      </p:ext>
-    </p:extLst>
-  </p:cSld>
-  <p:clrMapOvr>
-    <a:masterClrMapping/>
-  </p:clrMapOvr>
-  <p:timing>
-    <p:tnLst>
-      <p:par>
-        <p:cTn id="1" dur="indefinite" restart="never" nodeType="tmRoot"/>
-      </p:par>
-    </p:tnLst>
-  </p:timing>
-</p:sld>
-</file>
-
 <file path=ppt/theme/theme1.xml><?xml version="1.0" encoding="utf-8"?>
 <a:theme xmlns:a="http://schemas.openxmlformats.org/drawingml/2006/main" name="Facet">
   <a:themeElements>

--- a/doc/midterm_presentation/group2_midterm_presentation.pptx
+++ b/doc/midterm_presentation/group2_midterm_presentation.pptx
@@ -14,9 +14,11 @@
     <p:sldId id="263" r:id="rId8"/>
     <p:sldId id="265" r:id="rId9"/>
     <p:sldId id="261" r:id="rId10"/>
-    <p:sldId id="266" r:id="rId11"/>
-    <p:sldId id="258" r:id="rId12"/>
-    <p:sldId id="257" r:id="rId13"/>
+    <p:sldId id="270" r:id="rId11"/>
+    <p:sldId id="266" r:id="rId12"/>
+    <p:sldId id="258" r:id="rId13"/>
+    <p:sldId id="269" r:id="rId14"/>
+    <p:sldId id="257" r:id="rId15"/>
   </p:sldIdLst>
   <p:sldSz cx="12192000" cy="6858000"/>
   <p:notesSz cx="6858000" cy="9144000"/>
@@ -6021,6 +6023,89 @@
           <a:p>
             <a:r>
               <a:rPr lang="en-BE" dirty="0" smtClean="0"/>
+              <a:t>Fast prototyping</a:t>
+            </a:r>
+            <a:endParaRPr lang="nl-BE" dirty="0"/>
+          </a:p>
+        </p:txBody>
+      </p:sp>
+      <p:pic>
+        <p:nvPicPr>
+          <p:cNvPr id="4" name="Picture 3"/>
+          <p:cNvPicPr>
+            <a:picLocks noChangeAspect="1"/>
+          </p:cNvPicPr>
+          <p:nvPr/>
+        </p:nvPicPr>
+        <p:blipFill>
+          <a:blip r:embed="rId2">
+            <a:extLst>
+              <a:ext uri="{28A0092B-C50C-407E-A947-70E740481C1C}">
+                <a14:useLocalDpi xmlns:a14="http://schemas.microsoft.com/office/drawing/2010/main" val="0"/>
+              </a:ext>
+            </a:extLst>
+          </a:blip>
+          <a:stretch>
+            <a:fillRect/>
+          </a:stretch>
+        </p:blipFill>
+        <p:spPr>
+          <a:xfrm>
+            <a:off x="778213" y="1594183"/>
+            <a:ext cx="10403133" cy="4518861"/>
+          </a:xfrm>
+          <a:prstGeom prst="rect">
+            <a:avLst/>
+          </a:prstGeom>
+        </p:spPr>
+      </p:pic>
+    </p:spTree>
+    <p:extLst>
+      <p:ext uri="{BB962C8B-B14F-4D97-AF65-F5344CB8AC3E}">
+        <p14:creationId xmlns:p14="http://schemas.microsoft.com/office/powerpoint/2010/main" val="4292287824"/>
+      </p:ext>
+    </p:extLst>
+  </p:cSld>
+  <p:clrMapOvr>
+    <a:masterClrMapping/>
+  </p:clrMapOvr>
+</p:sld>
+</file>
+
+<file path=ppt/slides/slide11.xml><?xml version="1.0" encoding="utf-8"?>
+<p:sld xmlns:a="http://schemas.openxmlformats.org/drawingml/2006/main" xmlns:r="http://schemas.openxmlformats.org/officeDocument/2006/relationships" xmlns:p="http://schemas.openxmlformats.org/presentationml/2006/main">
+  <p:cSld>
+    <p:spTree>
+      <p:nvGrpSpPr>
+        <p:cNvPr id="1" name=""/>
+        <p:cNvGrpSpPr/>
+        <p:nvPr/>
+      </p:nvGrpSpPr>
+      <p:grpSpPr>
+        <a:xfrm>
+          <a:off x="0" y="0"/>
+          <a:ext cx="0" cy="0"/>
+          <a:chOff x="0" y="0"/>
+          <a:chExt cx="0" cy="0"/>
+        </a:xfrm>
+      </p:grpSpPr>
+      <p:sp>
+        <p:nvSpPr>
+          <p:cNvPr id="2" name="Title 1"/>
+          <p:cNvSpPr>
+            <a:spLocks noGrp="1"/>
+          </p:cNvSpPr>
+          <p:nvPr>
+            <p:ph type="title"/>
+          </p:nvPr>
+        </p:nvSpPr>
+        <p:spPr/>
+        <p:txBody>
+          <a:bodyPr/>
+          <a:lstStyle/>
+          <a:p>
+            <a:r>
+              <a:rPr lang="en-BE" dirty="0" smtClean="0"/>
               <a:t>Validation: algorithm</a:t>
             </a:r>
             <a:endParaRPr lang="nl-BE" dirty="0"/>
@@ -6196,7 +6281,7 @@
 </p:sld>
 </file>
 
-<file path=ppt/slides/slide11.xml><?xml version="1.0" encoding="utf-8"?>
+<file path=ppt/slides/slide12.xml><?xml version="1.0" encoding="utf-8"?>
 <p:sld xmlns:a="http://schemas.openxmlformats.org/drawingml/2006/main" xmlns:r="http://schemas.openxmlformats.org/officeDocument/2006/relationships" xmlns:p="http://schemas.openxmlformats.org/presentationml/2006/main">
   <p:cSld>
     <p:spTree>
@@ -6931,7 +7016,110 @@
 </p:sld>
 </file>
 
-<file path=ppt/slides/slide12.xml><?xml version="1.0" encoding="utf-8"?>
+<file path=ppt/slides/slide13.xml><?xml version="1.0" encoding="utf-8"?>
+<p:sld xmlns:a="http://schemas.openxmlformats.org/drawingml/2006/main" xmlns:r="http://schemas.openxmlformats.org/officeDocument/2006/relationships" xmlns:p="http://schemas.openxmlformats.org/presentationml/2006/main">
+  <p:cSld>
+    <p:spTree>
+      <p:nvGrpSpPr>
+        <p:cNvPr id="1" name=""/>
+        <p:cNvGrpSpPr/>
+        <p:nvPr/>
+      </p:nvGrpSpPr>
+      <p:grpSpPr>
+        <a:xfrm>
+          <a:off x="0" y="0"/>
+          <a:ext cx="0" cy="0"/>
+          <a:chOff x="0" y="0"/>
+          <a:chExt cx="0" cy="0"/>
+        </a:xfrm>
+      </p:grpSpPr>
+      <p:sp>
+        <p:nvSpPr>
+          <p:cNvPr id="2" name="Title 1"/>
+          <p:cNvSpPr>
+            <a:spLocks noGrp="1"/>
+          </p:cNvSpPr>
+          <p:nvPr>
+            <p:ph type="title"/>
+          </p:nvPr>
+        </p:nvSpPr>
+        <p:spPr/>
+        <p:txBody>
+          <a:bodyPr/>
+          <a:lstStyle/>
+          <a:p>
+            <a:r>
+              <a:rPr lang="en-BE" dirty="0" smtClean="0"/>
+              <a:t>Map viz tech</a:t>
+            </a:r>
+            <a:endParaRPr lang="nl-BE" dirty="0"/>
+          </a:p>
+        </p:txBody>
+      </p:sp>
+      <p:pic>
+        <p:nvPicPr>
+          <p:cNvPr id="1026" name="Picture 2" descr="https://miro.medium.com/v2/resize:fit:875/1*Jmu26KpNkS6xxvLc1pwzWg.jpeg"/>
+          <p:cNvPicPr>
+            <a:picLocks noGrp="1" noChangeAspect="1" noChangeArrowheads="1"/>
+          </p:cNvPicPr>
+          <p:nvPr>
+            <p:ph idx="1"/>
+          </p:nvPr>
+        </p:nvPicPr>
+        <p:blipFill>
+          <a:blip r:embed="rId2">
+            <a:extLst>
+              <a:ext uri="{28A0092B-C50C-407E-A947-70E740481C1C}">
+                <a14:useLocalDpi xmlns:a14="http://schemas.microsoft.com/office/drawing/2010/main" val="0"/>
+              </a:ext>
+            </a:extLst>
+          </a:blip>
+          <a:srcRect/>
+          <a:stretch>
+            <a:fillRect/>
+          </a:stretch>
+        </p:blipFill>
+        <p:spPr bwMode="auto">
+          <a:xfrm>
+            <a:off x="3501189" y="-146842"/>
+            <a:ext cx="7423485" cy="7101094"/>
+          </a:xfrm>
+          <a:prstGeom prst="rect">
+            <a:avLst/>
+          </a:prstGeom>
+          <a:noFill/>
+          <a:extLst>
+            <a:ext uri="{909E8E84-426E-40DD-AFC4-6F175D3DCCD1}">
+              <a14:hiddenFill xmlns:a14="http://schemas.microsoft.com/office/drawing/2010/main">
+                <a:solidFill>
+                  <a:srgbClr val="FFFFFF"/>
+                </a:solidFill>
+              </a14:hiddenFill>
+            </a:ext>
+          </a:extLst>
+        </p:spPr>
+      </p:pic>
+    </p:spTree>
+    <p:extLst>
+      <p:ext uri="{BB962C8B-B14F-4D97-AF65-F5344CB8AC3E}">
+        <p14:creationId xmlns:p14="http://schemas.microsoft.com/office/powerpoint/2010/main" val="3555787329"/>
+      </p:ext>
+    </p:extLst>
+  </p:cSld>
+  <p:clrMapOvr>
+    <a:masterClrMapping/>
+  </p:clrMapOvr>
+  <p:timing>
+    <p:tnLst>
+      <p:par>
+        <p:cTn id="1" dur="indefinite" restart="never" nodeType="tmRoot"/>
+      </p:par>
+    </p:tnLst>
+  </p:timing>
+</p:sld>
+</file>
+
+<file path=ppt/slides/slide14.xml><?xml version="1.0" encoding="utf-8"?>
 <p:sld xmlns:a="http://schemas.openxmlformats.org/drawingml/2006/main" xmlns:r="http://schemas.openxmlformats.org/officeDocument/2006/relationships" xmlns:p="http://schemas.openxmlformats.org/presentationml/2006/main">
   <p:cSld>
     <p:spTree>

--- a/doc/midterm_presentation/group2_midterm_presentation.pptx
+++ b/doc/midterm_presentation/group2_midterm_presentation.pptx
@@ -123,6 +123,118 @@
     </p:ext>
   </p:extLst>
 </p:presentation>
+</file>
+
+<file path=ppt/authors.xml><?xml version="1.0" encoding="utf-8"?>
+<p188:authorLst xmlns:a="http://schemas.openxmlformats.org/drawingml/2006/main" xmlns:r="http://schemas.openxmlformats.org/officeDocument/2006/relationships" xmlns:p188="http://schemas.microsoft.com/office/powerpoint/2018/8/main">
+  <p188:author id="{14182291-21D3-FE15-5ED6-04DD868E5DF2}" name="Ruth Vandeputte" initials="RV" userId="S::Ruth.Vandeputte@vub.be::ab091a4e-f2ba-4e8a-8970-d2331b8af109" providerId="AD"/>
+</p188:authorLst>
+</file>
+
+<file path=ppt/comments/modernComment_103_5B17BF65.xml><?xml version="1.0" encoding="utf-8"?>
+<p188:cmLst xmlns:a="http://schemas.openxmlformats.org/drawingml/2006/main" xmlns:r="http://schemas.openxmlformats.org/officeDocument/2006/relationships" xmlns:p188="http://schemas.microsoft.com/office/powerpoint/2018/8/main">
+  <p188:cm id="{A089FAAD-7DD5-4206-98A8-23ACF9DAF766}" authorId="{14182291-21D3-FE15-5ED6-04DD868E5DF2}" created="2024-04-10T17:14:19.067">
+    <pc:sldMkLst xmlns:pc="http://schemas.microsoft.com/office/powerpoint/2013/main/command">
+      <pc:docMk/>
+      <pc:sldMk cId="1528282981" sldId="259"/>
+    </pc:sldMkLst>
+    <p188:txBody>
+      <a:bodyPr/>
+      <a:lstStyle/>
+      <a:p>
+        <a:r>
+          <a:rPr lang="nl-BE"/>
+          <a:t>Adapt to (or similar) "Which region is has the highest growth in installed wind capacity in the period 2020-2023?" Which can be answered with the time slider, filter on status and the left BIN buttons.</a:t>
+        </a:r>
+      </a:p>
+    </p188:txBody>
+  </p188:cm>
+</p188:cmLst>
+</file>
+
+<file path=ppt/comments/modernComment_107_BE84025.xml><?xml version="1.0" encoding="utf-8"?>
+<p188:cmLst xmlns:a="http://schemas.openxmlformats.org/drawingml/2006/main" xmlns:r="http://schemas.openxmlformats.org/officeDocument/2006/relationships" xmlns:p188="http://schemas.microsoft.com/office/powerpoint/2018/8/main">
+  <p188:cm id="{CD8A1858-4BB6-48C1-927C-B513326CC5BE}" authorId="{14182291-21D3-FE15-5ED6-04DD868E5DF2}" created="2024-04-10T17:39:10.343">
+    <ac:txMkLst xmlns:ac="http://schemas.microsoft.com/office/drawing/2013/main/command">
+      <pc:docMk xmlns:pc="http://schemas.microsoft.com/office/powerpoint/2013/main/command"/>
+      <pc:sldMk xmlns:pc="http://schemas.microsoft.com/office/powerpoint/2013/main/command" cId="199770149" sldId="263"/>
+      <ac:spMk id="3" creationId="{00000000-0000-0000-0000-000000000000}"/>
+      <ac:txMk cp="258" len="102">
+        <ac:context len="504" hash="4046356674"/>
+      </ac:txMk>
+    </ac:txMkLst>
+    <p188:pos x="8527626" y="3224192"/>
+    <p188:txBody>
+      <a:bodyPr/>
+      <a:lstStyle/>
+      <a:p>
+        <a:r>
+          <a:rPr lang="nl-BE"/>
+          <a:t>To discuss: usefull to use colours for extra info like status? 8 categories is maybe much, but do we really need separate categories for cancelled-shelved-mothballed? Different hue  for announced-preconstruction-construction-operating-retired. Or luminance in 3 levels: (future (announced-preconstruction-contruction) - current (operating) - past (retired)?
+Then some grey could be used for cancelled-shelved-mothballed projects.</a:t>
+        </a:r>
+      </a:p>
+    </p188:txBody>
+  </p188:cm>
+  <p188:cm id="{8E2DFACC-8EB1-4E0F-A6FB-C6244B44078E}" authorId="{14182291-21D3-FE15-5ED6-04DD868E5DF2}" created="2024-04-10T17:58:26.124">
+    <ac:txMkLst xmlns:ac="http://schemas.microsoft.com/office/drawing/2013/main/command">
+      <pc:docMk xmlns:pc="http://schemas.microsoft.com/office/powerpoint/2013/main/command"/>
+      <pc:sldMk xmlns:pc="http://schemas.microsoft.com/office/powerpoint/2013/main/command" cId="199770149" sldId="263"/>
+      <ac:spMk id="3" creationId="{00000000-0000-0000-0000-000000000000}"/>
+      <ac:txMk cp="468" len="33">
+        <ac:context len="504" hash="4046356674"/>
+      </ac:txMk>
+    </ac:txMkLst>
+    <p188:pos x="7267786" y="4829472"/>
+    <p188:txBody>
+      <a:bodyPr/>
+      <a:lstStyle/>
+      <a:p>
+        <a:r>
+          <a:rPr lang="nl-BE"/>
+          <a:t>Or use same colour as on map according to state ?</a:t>
+        </a:r>
+      </a:p>
+    </p188:txBody>
+  </p188:cm>
+  <p188:cm id="{821752F2-F06F-48E5-A738-BABF2B7D1A77}" authorId="{14182291-21D3-FE15-5ED6-04DD868E5DF2}" created="2024-04-10T18:01:03.659">
+    <ac:txMkLst xmlns:ac="http://schemas.microsoft.com/office/drawing/2013/main/command">
+      <pc:docMk xmlns:pc="http://schemas.microsoft.com/office/powerpoint/2013/main/command"/>
+      <pc:sldMk xmlns:pc="http://schemas.microsoft.com/office/powerpoint/2013/main/command" cId="199770149" sldId="263"/>
+      <ac:spMk id="3" creationId="{00000000-0000-0000-0000-000000000000}"/>
+      <ac:txMk cp="112" len="11">
+        <ac:context len="504" hash="4046356674"/>
+      </ac:txMk>
+    </ac:txMkLst>
+    <p188:pos x="2929466" y="1618912"/>
+    <p188:txBody>
+      <a:bodyPr/>
+      <a:lstStyle/>
+      <a:p>
+        <a:r>
+          <a:rPr lang="nl-BE"/>
+          <a:t>What with projects without start year?</a:t>
+        </a:r>
+      </a:p>
+    </p188:txBody>
+  </p188:cm>
+  <p188:cm id="{DE739B80-7D31-4971-9256-BCCD5A694252}" authorId="{14182291-21D3-FE15-5ED6-04DD868E5DF2}" created="2024-04-10T18:13:43.628">
+    <pc:sldMkLst xmlns:pc="http://schemas.microsoft.com/office/powerpoint/2013/main/command">
+      <pc:docMk/>
+      <pc:sldMk cId="199770149" sldId="263"/>
+    </pc:sldMkLst>
+    <p188:txBody>
+      <a:bodyPr/>
+      <a:lstStyle/>
+      <a:p>
+        <a:r>
+          <a:rPr lang="nl-BE"/>
+          <a:t>Show summary dots when zoomed out? (separate parks near eachother look like one)</a:t>
+        </a:r>
+      </a:p>
+    </p188:txBody>
+  </p188:cm>
+</p188:cmLst>
 </file>
 
 <file path=ppt/slideLayouts/slideLayout1.xml><?xml version="1.0" encoding="utf-8"?>
@@ -726,7 +838,7 @@
           </a:lstStyle>
           <a:p>
             <a:r>
-              <a:rPr lang="en-US" smtClean="0"/>
+              <a:rPr lang="en-US"/>
               <a:t>Click to edit Master title style</a:t>
             </a:r>
             <a:endParaRPr lang="en-US" dirty="0"/>
@@ -846,7 +958,7 @@
           </a:lstStyle>
           <a:p>
             <a:r>
-              <a:rPr lang="en-US" smtClean="0"/>
+              <a:rPr lang="en-US"/>
               <a:t>Click to edit Master subtitle style</a:t>
             </a:r>
             <a:endParaRPr lang="en-US" dirty="0"/>
@@ -870,7 +982,7 @@
           <a:p>
             <a:fld id="{891B977C-11A8-413A-BFAF-14235309C571}" type="datetimeFigureOut">
               <a:rPr lang="nl-BE" smtClean="0"/>
-              <a:t>6/04/2024</a:t>
+              <a:t>10/04/2024</a:t>
             </a:fld>
             <a:endParaRPr lang="nl-BE"/>
           </a:p>
@@ -912,7 +1024,7 @@
           <a:p>
             <a:fld id="{902B137D-9284-4ABB-954B-9B781A26CB8D}" type="slidenum">
               <a:rPr lang="nl-BE" smtClean="0"/>
-              <a:t>‹#›</a:t>
+              <a:t>‹nr.›</a:t>
             </a:fld>
             <a:endParaRPr lang="nl-BE"/>
           </a:p>
@@ -975,7 +1087,7 @@
           </a:lstStyle>
           <a:p>
             <a:r>
-              <a:rPr lang="en-US" smtClean="0"/>
+              <a:rPr lang="en-US"/>
               <a:t>Click to edit Master title style</a:t>
             </a:r>
             <a:endParaRPr lang="en-US" dirty="0"/>
@@ -1098,7 +1210,7 @@
           <a:p>
             <a:pPr lvl="0"/>
             <a:r>
-              <a:rPr lang="en-US" smtClean="0"/>
+              <a:rPr lang="en-US"/>
               <a:t>Edit Master text styles</a:t>
             </a:r>
           </a:p>
@@ -1121,7 +1233,7 @@
           <a:p>
             <a:fld id="{891B977C-11A8-413A-BFAF-14235309C571}" type="datetimeFigureOut">
               <a:rPr lang="nl-BE" smtClean="0"/>
-              <a:t>6/04/2024</a:t>
+              <a:t>10/04/2024</a:t>
             </a:fld>
             <a:endParaRPr lang="nl-BE"/>
           </a:p>
@@ -1163,7 +1275,7 @@
           <a:p>
             <a:fld id="{902B137D-9284-4ABB-954B-9B781A26CB8D}" type="slidenum">
               <a:rPr lang="nl-BE" smtClean="0"/>
-              <a:t>‹#›</a:t>
+              <a:t>‹nr.›</a:t>
             </a:fld>
             <a:endParaRPr lang="nl-BE"/>
           </a:p>
@@ -1226,7 +1338,7 @@
           </a:lstStyle>
           <a:p>
             <a:r>
-              <a:rPr lang="en-US" smtClean="0"/>
+              <a:rPr lang="en-US"/>
               <a:t>Click to edit Master title style</a:t>
             </a:r>
             <a:endParaRPr lang="en-US" dirty="0"/>
@@ -1290,7 +1402,7 @@
           <a:p>
             <a:pPr lvl="0"/>
             <a:r>
-              <a:rPr lang="en-US" smtClean="0"/>
+              <a:rPr lang="en-US"/>
               <a:t>Edit Master text styles</a:t>
             </a:r>
           </a:p>
@@ -1412,7 +1524,7 @@
           <a:p>
             <a:pPr lvl="0"/>
             <a:r>
-              <a:rPr lang="en-US" smtClean="0"/>
+              <a:rPr lang="en-US"/>
               <a:t>Edit Master text styles</a:t>
             </a:r>
           </a:p>
@@ -1435,7 +1547,7 @@
           <a:p>
             <a:fld id="{891B977C-11A8-413A-BFAF-14235309C571}" type="datetimeFigureOut">
               <a:rPr lang="nl-BE" smtClean="0"/>
-              <a:t>6/04/2024</a:t>
+              <a:t>10/04/2024</a:t>
             </a:fld>
             <a:endParaRPr lang="nl-BE"/>
           </a:p>
@@ -1477,7 +1589,7 @@
           <a:p>
             <a:fld id="{902B137D-9284-4ABB-954B-9B781A26CB8D}" type="slidenum">
               <a:rPr lang="nl-BE" smtClean="0"/>
-              <a:t>‹#›</a:t>
+              <a:t>‹nr.›</a:t>
             </a:fld>
             <a:endParaRPr lang="nl-BE"/>
           </a:p>
@@ -1622,7 +1734,7 @@
           </a:lstStyle>
           <a:p>
             <a:r>
-              <a:rPr lang="en-US" smtClean="0"/>
+              <a:rPr lang="en-US"/>
               <a:t>Click to edit Master title style</a:t>
             </a:r>
             <a:endParaRPr lang="en-US" dirty="0"/>
@@ -1745,7 +1857,7 @@
           <a:p>
             <a:pPr lvl="0"/>
             <a:r>
-              <a:rPr lang="en-US" smtClean="0"/>
+              <a:rPr lang="en-US"/>
               <a:t>Edit Master text styles</a:t>
             </a:r>
           </a:p>
@@ -1768,7 +1880,7 @@
           <a:p>
             <a:fld id="{891B977C-11A8-413A-BFAF-14235309C571}" type="datetimeFigureOut">
               <a:rPr lang="nl-BE" smtClean="0"/>
-              <a:t>6/04/2024</a:t>
+              <a:t>10/04/2024</a:t>
             </a:fld>
             <a:endParaRPr lang="nl-BE"/>
           </a:p>
@@ -1810,7 +1922,7 @@
           <a:p>
             <a:fld id="{902B137D-9284-4ABB-954B-9B781A26CB8D}" type="slidenum">
               <a:rPr lang="nl-BE" smtClean="0"/>
-              <a:t>‹#›</a:t>
+              <a:t>‹nr.›</a:t>
             </a:fld>
             <a:endParaRPr lang="nl-BE"/>
           </a:p>
@@ -1873,7 +1985,7 @@
           </a:lstStyle>
           <a:p>
             <a:r>
-              <a:rPr lang="en-US" smtClean="0"/>
+              <a:rPr lang="en-US"/>
               <a:t>Click to edit Master title style</a:t>
             </a:r>
             <a:endParaRPr lang="en-US" dirty="0"/>
@@ -1937,7 +2049,7 @@
           <a:p>
             <a:pPr lvl="0"/>
             <a:r>
-              <a:rPr lang="en-US" smtClean="0"/>
+              <a:rPr lang="en-US"/>
               <a:t>Edit Master text styles</a:t>
             </a:r>
           </a:p>
@@ -2059,7 +2171,7 @@
           <a:p>
             <a:pPr lvl="0"/>
             <a:r>
-              <a:rPr lang="en-US" smtClean="0"/>
+              <a:rPr lang="en-US"/>
               <a:t>Edit Master text styles</a:t>
             </a:r>
           </a:p>
@@ -2082,7 +2194,7 @@
           <a:p>
             <a:fld id="{891B977C-11A8-413A-BFAF-14235309C571}" type="datetimeFigureOut">
               <a:rPr lang="nl-BE" smtClean="0"/>
-              <a:t>6/04/2024</a:t>
+              <a:t>10/04/2024</a:t>
             </a:fld>
             <a:endParaRPr lang="nl-BE"/>
           </a:p>
@@ -2124,7 +2236,7 @@
           <a:p>
             <a:fld id="{902B137D-9284-4ABB-954B-9B781A26CB8D}" type="slidenum">
               <a:rPr lang="nl-BE" smtClean="0"/>
-              <a:t>‹#›</a:t>
+              <a:t>‹nr.›</a:t>
             </a:fld>
             <a:endParaRPr lang="nl-BE"/>
           </a:p>
@@ -2269,7 +2381,7 @@
           </a:lstStyle>
           <a:p>
             <a:r>
-              <a:rPr lang="en-US" smtClean="0"/>
+              <a:rPr lang="en-US"/>
               <a:t>Click to edit Master title style</a:t>
             </a:r>
             <a:endParaRPr lang="en-US" dirty="0"/>
@@ -2330,7 +2442,7 @@
           <a:p>
             <a:pPr lvl="0"/>
             <a:r>
-              <a:rPr lang="en-US" smtClean="0"/>
+              <a:rPr lang="en-US"/>
               <a:t>Edit Master text styles</a:t>
             </a:r>
           </a:p>
@@ -2452,7 +2564,7 @@
           <a:p>
             <a:pPr lvl="0"/>
             <a:r>
-              <a:rPr lang="en-US" smtClean="0"/>
+              <a:rPr lang="en-US"/>
               <a:t>Edit Master text styles</a:t>
             </a:r>
           </a:p>
@@ -2475,7 +2587,7 @@
           <a:p>
             <a:fld id="{891B977C-11A8-413A-BFAF-14235309C571}" type="datetimeFigureOut">
               <a:rPr lang="nl-BE" smtClean="0"/>
-              <a:t>6/04/2024</a:t>
+              <a:t>10/04/2024</a:t>
             </a:fld>
             <a:endParaRPr lang="nl-BE"/>
           </a:p>
@@ -2517,7 +2629,7 @@
           <a:p>
             <a:fld id="{902B137D-9284-4ABB-954B-9B781A26CB8D}" type="slidenum">
               <a:rPr lang="nl-BE" smtClean="0"/>
-              <a:t>‹#›</a:t>
+              <a:t>‹nr.›</a:t>
             </a:fld>
             <a:endParaRPr lang="nl-BE"/>
           </a:p>
@@ -2569,7 +2681,7 @@
           <a:lstStyle/>
           <a:p>
             <a:r>
-              <a:rPr lang="en-US" smtClean="0"/>
+              <a:rPr lang="en-US"/>
               <a:t>Click to edit Master title style</a:t>
             </a:r>
             <a:endParaRPr lang="en-US" dirty="0"/>
@@ -2593,35 +2705,35 @@
           <a:p>
             <a:pPr lvl="0"/>
             <a:r>
-              <a:rPr lang="en-US" smtClean="0"/>
+              <a:rPr lang="en-US"/>
               <a:t>Edit Master text styles</a:t>
             </a:r>
           </a:p>
           <a:p>
             <a:pPr lvl="1"/>
             <a:r>
-              <a:rPr lang="en-US" smtClean="0"/>
+              <a:rPr lang="en-US"/>
               <a:t>Second level</a:t>
             </a:r>
           </a:p>
           <a:p>
             <a:pPr lvl="2"/>
             <a:r>
-              <a:rPr lang="en-US" smtClean="0"/>
+              <a:rPr lang="en-US"/>
               <a:t>Third level</a:t>
             </a:r>
           </a:p>
           <a:p>
             <a:pPr lvl="3"/>
             <a:r>
-              <a:rPr lang="en-US" smtClean="0"/>
+              <a:rPr lang="en-US"/>
               <a:t>Fourth level</a:t>
             </a:r>
           </a:p>
           <a:p>
             <a:pPr lvl="4"/>
             <a:r>
-              <a:rPr lang="en-US" smtClean="0"/>
+              <a:rPr lang="en-US"/>
               <a:t>Fifth level</a:t>
             </a:r>
             <a:endParaRPr lang="en-US" dirty="0"/>
@@ -2645,7 +2757,7 @@
           <a:p>
             <a:fld id="{891B977C-11A8-413A-BFAF-14235309C571}" type="datetimeFigureOut">
               <a:rPr lang="nl-BE" smtClean="0"/>
-              <a:t>6/04/2024</a:t>
+              <a:t>10/04/2024</a:t>
             </a:fld>
             <a:endParaRPr lang="nl-BE"/>
           </a:p>
@@ -2687,7 +2799,7 @@
           <a:p>
             <a:fld id="{902B137D-9284-4ABB-954B-9B781A26CB8D}" type="slidenum">
               <a:rPr lang="nl-BE" smtClean="0"/>
-              <a:t>‹#›</a:t>
+              <a:t>‹nr.›</a:t>
             </a:fld>
             <a:endParaRPr lang="nl-BE"/>
           </a:p>
@@ -2744,7 +2856,7 @@
           <a:lstStyle/>
           <a:p>
             <a:r>
-              <a:rPr lang="en-US" smtClean="0"/>
+              <a:rPr lang="en-US"/>
               <a:t>Click to edit Master title style</a:t>
             </a:r>
             <a:endParaRPr lang="en-US" dirty="0"/>
@@ -2773,35 +2885,35 @@
           <a:p>
             <a:pPr lvl="0"/>
             <a:r>
-              <a:rPr lang="en-US" smtClean="0"/>
+              <a:rPr lang="en-US"/>
               <a:t>Edit Master text styles</a:t>
             </a:r>
           </a:p>
           <a:p>
             <a:pPr lvl="1"/>
             <a:r>
-              <a:rPr lang="en-US" smtClean="0"/>
+              <a:rPr lang="en-US"/>
               <a:t>Second level</a:t>
             </a:r>
           </a:p>
           <a:p>
             <a:pPr lvl="2"/>
             <a:r>
-              <a:rPr lang="en-US" smtClean="0"/>
+              <a:rPr lang="en-US"/>
               <a:t>Third level</a:t>
             </a:r>
           </a:p>
           <a:p>
             <a:pPr lvl="3"/>
             <a:r>
-              <a:rPr lang="en-US" smtClean="0"/>
+              <a:rPr lang="en-US"/>
               <a:t>Fourth level</a:t>
             </a:r>
           </a:p>
           <a:p>
             <a:pPr lvl="4"/>
             <a:r>
-              <a:rPr lang="en-US" smtClean="0"/>
+              <a:rPr lang="en-US"/>
               <a:t>Fifth level</a:t>
             </a:r>
             <a:endParaRPr lang="en-US" dirty="0"/>
@@ -2825,7 +2937,7 @@
           <a:p>
             <a:fld id="{891B977C-11A8-413A-BFAF-14235309C571}" type="datetimeFigureOut">
               <a:rPr lang="nl-BE" smtClean="0"/>
-              <a:t>6/04/2024</a:t>
+              <a:t>10/04/2024</a:t>
             </a:fld>
             <a:endParaRPr lang="nl-BE"/>
           </a:p>
@@ -2867,7 +2979,7 @@
           <a:p>
             <a:fld id="{902B137D-9284-4ABB-954B-9B781A26CB8D}" type="slidenum">
               <a:rPr lang="nl-BE" smtClean="0"/>
-              <a:t>‹#›</a:t>
+              <a:t>‹nr.›</a:t>
             </a:fld>
             <a:endParaRPr lang="nl-BE"/>
           </a:p>
@@ -2919,7 +3031,7 @@
           <a:lstStyle/>
           <a:p>
             <a:r>
-              <a:rPr lang="en-US" smtClean="0"/>
+              <a:rPr lang="en-US"/>
               <a:t>Click to edit Master title style</a:t>
             </a:r>
             <a:endParaRPr lang="en-US" dirty="0"/>
@@ -2943,35 +3055,35 @@
           <a:p>
             <a:pPr lvl="0"/>
             <a:r>
-              <a:rPr lang="en-US" smtClean="0"/>
+              <a:rPr lang="en-US"/>
               <a:t>Edit Master text styles</a:t>
             </a:r>
           </a:p>
           <a:p>
             <a:pPr lvl="1"/>
             <a:r>
-              <a:rPr lang="en-US" smtClean="0"/>
+              <a:rPr lang="en-US"/>
               <a:t>Second level</a:t>
             </a:r>
           </a:p>
           <a:p>
             <a:pPr lvl="2"/>
             <a:r>
-              <a:rPr lang="en-US" smtClean="0"/>
+              <a:rPr lang="en-US"/>
               <a:t>Third level</a:t>
             </a:r>
           </a:p>
           <a:p>
             <a:pPr lvl="3"/>
             <a:r>
-              <a:rPr lang="en-US" smtClean="0"/>
+              <a:rPr lang="en-US"/>
               <a:t>Fourth level</a:t>
             </a:r>
           </a:p>
           <a:p>
             <a:pPr lvl="4"/>
             <a:r>
-              <a:rPr lang="en-US" smtClean="0"/>
+              <a:rPr lang="en-US"/>
               <a:t>Fifth level</a:t>
             </a:r>
             <a:endParaRPr lang="en-US" dirty="0"/>
@@ -2995,7 +3107,7 @@
           <a:p>
             <a:fld id="{891B977C-11A8-413A-BFAF-14235309C571}" type="datetimeFigureOut">
               <a:rPr lang="nl-BE" smtClean="0"/>
-              <a:t>6/04/2024</a:t>
+              <a:t>10/04/2024</a:t>
             </a:fld>
             <a:endParaRPr lang="nl-BE"/>
           </a:p>
@@ -3037,7 +3149,7 @@
           <a:p>
             <a:fld id="{902B137D-9284-4ABB-954B-9B781A26CB8D}" type="slidenum">
               <a:rPr lang="nl-BE" smtClean="0"/>
-              <a:t>‹#›</a:t>
+              <a:t>‹nr.›</a:t>
             </a:fld>
             <a:endParaRPr lang="nl-BE"/>
           </a:p>
@@ -3098,7 +3210,7 @@
           </a:lstStyle>
           <a:p>
             <a:r>
-              <a:rPr lang="en-US" smtClean="0"/>
+              <a:rPr lang="en-US"/>
               <a:t>Click to edit Master title style</a:t>
             </a:r>
             <a:endParaRPr lang="en-US" dirty="0"/>
@@ -3219,7 +3331,7 @@
           <a:p>
             <a:pPr lvl="0"/>
             <a:r>
-              <a:rPr lang="en-US" smtClean="0"/>
+              <a:rPr lang="en-US"/>
               <a:t>Edit Master text styles</a:t>
             </a:r>
           </a:p>
@@ -3242,7 +3354,7 @@
           <a:p>
             <a:fld id="{891B977C-11A8-413A-BFAF-14235309C571}" type="datetimeFigureOut">
               <a:rPr lang="nl-BE" smtClean="0"/>
-              <a:t>6/04/2024</a:t>
+              <a:t>10/04/2024</a:t>
             </a:fld>
             <a:endParaRPr lang="nl-BE"/>
           </a:p>
@@ -3284,7 +3396,7 @@
           <a:p>
             <a:fld id="{902B137D-9284-4ABB-954B-9B781A26CB8D}" type="slidenum">
               <a:rPr lang="nl-BE" smtClean="0"/>
-              <a:t>‹#›</a:t>
+              <a:t>‹nr.›</a:t>
             </a:fld>
             <a:endParaRPr lang="nl-BE"/>
           </a:p>
@@ -3336,7 +3448,7 @@
           <a:lstStyle/>
           <a:p>
             <a:r>
-              <a:rPr lang="en-US" smtClean="0"/>
+              <a:rPr lang="en-US"/>
               <a:t>Click to edit Master title style</a:t>
             </a:r>
             <a:endParaRPr lang="en-US" dirty="0"/>
@@ -3365,35 +3477,35 @@
           <a:p>
             <a:pPr lvl="0"/>
             <a:r>
-              <a:rPr lang="en-US" smtClean="0"/>
+              <a:rPr lang="en-US"/>
               <a:t>Edit Master text styles</a:t>
             </a:r>
           </a:p>
           <a:p>
             <a:pPr lvl="1"/>
             <a:r>
-              <a:rPr lang="en-US" smtClean="0"/>
+              <a:rPr lang="en-US"/>
               <a:t>Second level</a:t>
             </a:r>
           </a:p>
           <a:p>
             <a:pPr lvl="2"/>
             <a:r>
-              <a:rPr lang="en-US" smtClean="0"/>
+              <a:rPr lang="en-US"/>
               <a:t>Third level</a:t>
             </a:r>
           </a:p>
           <a:p>
             <a:pPr lvl="3"/>
             <a:r>
-              <a:rPr lang="en-US" smtClean="0"/>
+              <a:rPr lang="en-US"/>
               <a:t>Fourth level</a:t>
             </a:r>
           </a:p>
           <a:p>
             <a:pPr lvl="4"/>
             <a:r>
-              <a:rPr lang="en-US" smtClean="0"/>
+              <a:rPr lang="en-US"/>
               <a:t>Fifth level</a:t>
             </a:r>
             <a:endParaRPr lang="en-US" dirty="0"/>
@@ -3422,35 +3534,35 @@
           <a:p>
             <a:pPr lvl="0"/>
             <a:r>
-              <a:rPr lang="en-US" smtClean="0"/>
+              <a:rPr lang="en-US"/>
               <a:t>Edit Master text styles</a:t>
             </a:r>
           </a:p>
           <a:p>
             <a:pPr lvl="1"/>
             <a:r>
-              <a:rPr lang="en-US" smtClean="0"/>
+              <a:rPr lang="en-US"/>
               <a:t>Second level</a:t>
             </a:r>
           </a:p>
           <a:p>
             <a:pPr lvl="2"/>
             <a:r>
-              <a:rPr lang="en-US" smtClean="0"/>
+              <a:rPr lang="en-US"/>
               <a:t>Third level</a:t>
             </a:r>
           </a:p>
           <a:p>
             <a:pPr lvl="3"/>
             <a:r>
-              <a:rPr lang="en-US" smtClean="0"/>
+              <a:rPr lang="en-US"/>
               <a:t>Fourth level</a:t>
             </a:r>
           </a:p>
           <a:p>
             <a:pPr lvl="4"/>
             <a:r>
-              <a:rPr lang="en-US" smtClean="0"/>
+              <a:rPr lang="en-US"/>
               <a:t>Fifth level</a:t>
             </a:r>
             <a:endParaRPr lang="en-US" dirty="0"/>
@@ -3474,7 +3586,7 @@
           <a:p>
             <a:fld id="{891B977C-11A8-413A-BFAF-14235309C571}" type="datetimeFigureOut">
               <a:rPr lang="nl-BE" smtClean="0"/>
-              <a:t>6/04/2024</a:t>
+              <a:t>10/04/2024</a:t>
             </a:fld>
             <a:endParaRPr lang="nl-BE"/>
           </a:p>
@@ -3516,7 +3628,7 @@
           <a:p>
             <a:fld id="{902B137D-9284-4ABB-954B-9B781A26CB8D}" type="slidenum">
               <a:rPr lang="nl-BE" smtClean="0"/>
-              <a:t>‹#›</a:t>
+              <a:t>‹nr.›</a:t>
             </a:fld>
             <a:endParaRPr lang="nl-BE"/>
           </a:p>
@@ -3572,7 +3684,7 @@
           </a:lstStyle>
           <a:p>
             <a:r>
-              <a:rPr lang="en-US" smtClean="0"/>
+              <a:rPr lang="en-US"/>
               <a:t>Click to edit Master title style</a:t>
             </a:r>
             <a:endParaRPr lang="en-US" dirty="0"/>
@@ -3640,7 +3752,7 @@
           <a:p>
             <a:pPr lvl="0"/>
             <a:r>
-              <a:rPr lang="en-US" smtClean="0"/>
+              <a:rPr lang="en-US"/>
               <a:t>Edit Master text styles</a:t>
             </a:r>
           </a:p>
@@ -3670,35 +3782,35 @@
           <a:p>
             <a:pPr lvl="0"/>
             <a:r>
-              <a:rPr lang="en-US" smtClean="0"/>
+              <a:rPr lang="en-US"/>
               <a:t>Edit Master text styles</a:t>
             </a:r>
           </a:p>
           <a:p>
             <a:pPr lvl="1"/>
             <a:r>
-              <a:rPr lang="en-US" smtClean="0"/>
+              <a:rPr lang="en-US"/>
               <a:t>Second level</a:t>
             </a:r>
           </a:p>
           <a:p>
             <a:pPr lvl="2"/>
             <a:r>
-              <a:rPr lang="en-US" smtClean="0"/>
+              <a:rPr lang="en-US"/>
               <a:t>Third level</a:t>
             </a:r>
           </a:p>
           <a:p>
             <a:pPr lvl="3"/>
             <a:r>
-              <a:rPr lang="en-US" smtClean="0"/>
+              <a:rPr lang="en-US"/>
               <a:t>Fourth level</a:t>
             </a:r>
           </a:p>
           <a:p>
             <a:pPr lvl="4"/>
             <a:r>
-              <a:rPr lang="en-US" smtClean="0"/>
+              <a:rPr lang="en-US"/>
               <a:t>Fifth level</a:t>
             </a:r>
             <a:endParaRPr lang="en-US" dirty="0"/>
@@ -3766,7 +3878,7 @@
           <a:p>
             <a:pPr lvl="0"/>
             <a:r>
-              <a:rPr lang="en-US" smtClean="0"/>
+              <a:rPr lang="en-US"/>
               <a:t>Edit Master text styles</a:t>
             </a:r>
           </a:p>
@@ -3796,35 +3908,35 @@
           <a:p>
             <a:pPr lvl="0"/>
             <a:r>
-              <a:rPr lang="en-US" smtClean="0"/>
+              <a:rPr lang="en-US"/>
               <a:t>Edit Master text styles</a:t>
             </a:r>
           </a:p>
           <a:p>
             <a:pPr lvl="1"/>
             <a:r>
-              <a:rPr lang="en-US" smtClean="0"/>
+              <a:rPr lang="en-US"/>
               <a:t>Second level</a:t>
             </a:r>
           </a:p>
           <a:p>
             <a:pPr lvl="2"/>
             <a:r>
-              <a:rPr lang="en-US" smtClean="0"/>
+              <a:rPr lang="en-US"/>
               <a:t>Third level</a:t>
             </a:r>
           </a:p>
           <a:p>
             <a:pPr lvl="3"/>
             <a:r>
-              <a:rPr lang="en-US" smtClean="0"/>
+              <a:rPr lang="en-US"/>
               <a:t>Fourth level</a:t>
             </a:r>
           </a:p>
           <a:p>
             <a:pPr lvl="4"/>
             <a:r>
-              <a:rPr lang="en-US" smtClean="0"/>
+              <a:rPr lang="en-US"/>
               <a:t>Fifth level</a:t>
             </a:r>
             <a:endParaRPr lang="en-US" dirty="0"/>
@@ -3848,7 +3960,7 @@
           <a:p>
             <a:fld id="{891B977C-11A8-413A-BFAF-14235309C571}" type="datetimeFigureOut">
               <a:rPr lang="nl-BE" smtClean="0"/>
-              <a:t>6/04/2024</a:t>
+              <a:t>10/04/2024</a:t>
             </a:fld>
             <a:endParaRPr lang="nl-BE"/>
           </a:p>
@@ -3890,7 +4002,7 @@
           <a:p>
             <a:fld id="{902B137D-9284-4ABB-954B-9B781A26CB8D}" type="slidenum">
               <a:rPr lang="nl-BE" smtClean="0"/>
-              <a:t>‹#›</a:t>
+              <a:t>‹nr.›</a:t>
             </a:fld>
             <a:endParaRPr lang="nl-BE"/>
           </a:p>
@@ -3947,7 +4059,7 @@
           <a:lstStyle/>
           <a:p>
             <a:r>
-              <a:rPr lang="en-US" smtClean="0"/>
+              <a:rPr lang="en-US"/>
               <a:t>Click to edit Master title style</a:t>
             </a:r>
             <a:endParaRPr lang="en-US" dirty="0"/>
@@ -3971,7 +4083,7 @@
           <a:p>
             <a:fld id="{891B977C-11A8-413A-BFAF-14235309C571}" type="datetimeFigureOut">
               <a:rPr lang="nl-BE" smtClean="0"/>
-              <a:t>6/04/2024</a:t>
+              <a:t>10/04/2024</a:t>
             </a:fld>
             <a:endParaRPr lang="nl-BE"/>
           </a:p>
@@ -4013,7 +4125,7 @@
           <a:p>
             <a:fld id="{902B137D-9284-4ABB-954B-9B781A26CB8D}" type="slidenum">
               <a:rPr lang="nl-BE" smtClean="0"/>
-              <a:t>‹#›</a:t>
+              <a:t>‹nr.›</a:t>
             </a:fld>
             <a:endParaRPr lang="nl-BE"/>
           </a:p>
@@ -4066,7 +4178,7 @@
           <a:p>
             <a:fld id="{891B977C-11A8-413A-BFAF-14235309C571}" type="datetimeFigureOut">
               <a:rPr lang="nl-BE" smtClean="0"/>
-              <a:t>6/04/2024</a:t>
+              <a:t>10/04/2024</a:t>
             </a:fld>
             <a:endParaRPr lang="nl-BE"/>
           </a:p>
@@ -4108,7 +4220,7 @@
           <a:p>
             <a:fld id="{902B137D-9284-4ABB-954B-9B781A26CB8D}" type="slidenum">
               <a:rPr lang="nl-BE" smtClean="0"/>
-              <a:t>‹#›</a:t>
+              <a:t>‹nr.›</a:t>
             </a:fld>
             <a:endParaRPr lang="nl-BE"/>
           </a:p>
@@ -4171,7 +4283,7 @@
           </a:lstStyle>
           <a:p>
             <a:r>
-              <a:rPr lang="en-US" smtClean="0"/>
+              <a:rPr lang="en-US"/>
               <a:t>Click to edit Master title style</a:t>
             </a:r>
             <a:endParaRPr lang="en-US" dirty="0"/>
@@ -4202,35 +4314,35 @@
           <a:p>
             <a:pPr lvl="0"/>
             <a:r>
-              <a:rPr lang="en-US" smtClean="0"/>
+              <a:rPr lang="en-US"/>
               <a:t>Edit Master text styles</a:t>
             </a:r>
           </a:p>
           <a:p>
             <a:pPr lvl="1"/>
             <a:r>
-              <a:rPr lang="en-US" smtClean="0"/>
+              <a:rPr lang="en-US"/>
               <a:t>Second level</a:t>
             </a:r>
           </a:p>
           <a:p>
             <a:pPr lvl="2"/>
             <a:r>
-              <a:rPr lang="en-US" smtClean="0"/>
+              <a:rPr lang="en-US"/>
               <a:t>Third level</a:t>
             </a:r>
           </a:p>
           <a:p>
             <a:pPr lvl="3"/>
             <a:r>
-              <a:rPr lang="en-US" smtClean="0"/>
+              <a:rPr lang="en-US"/>
               <a:t>Fourth level</a:t>
             </a:r>
           </a:p>
           <a:p>
             <a:pPr lvl="4"/>
             <a:r>
-              <a:rPr lang="en-US" smtClean="0"/>
+              <a:rPr lang="en-US"/>
               <a:t>Fifth level</a:t>
             </a:r>
             <a:endParaRPr lang="en-US" dirty="0"/>
@@ -4298,7 +4410,7 @@
           <a:p>
             <a:pPr lvl="0"/>
             <a:r>
-              <a:rPr lang="en-US" smtClean="0"/>
+              <a:rPr lang="en-US"/>
               <a:t>Edit Master text styles</a:t>
             </a:r>
           </a:p>
@@ -4321,7 +4433,7 @@
           <a:p>
             <a:fld id="{891B977C-11A8-413A-BFAF-14235309C571}" type="datetimeFigureOut">
               <a:rPr lang="nl-BE" smtClean="0"/>
-              <a:t>6/04/2024</a:t>
+              <a:t>10/04/2024</a:t>
             </a:fld>
             <a:endParaRPr lang="nl-BE"/>
           </a:p>
@@ -4363,7 +4475,7 @@
           <a:p>
             <a:fld id="{902B137D-9284-4ABB-954B-9B781A26CB8D}" type="slidenum">
               <a:rPr lang="nl-BE" smtClean="0"/>
-              <a:t>‹#›</a:t>
+              <a:t>‹nr.›</a:t>
             </a:fld>
             <a:endParaRPr lang="nl-BE"/>
           </a:p>
@@ -4426,7 +4538,7 @@
           </a:lstStyle>
           <a:p>
             <a:r>
-              <a:rPr lang="en-US" smtClean="0"/>
+              <a:rPr lang="en-US"/>
               <a:t>Click to edit Master title style</a:t>
             </a:r>
             <a:endParaRPr lang="en-US" dirty="0"/>
@@ -4493,7 +4605,7 @@
           </a:lstStyle>
           <a:p>
             <a:r>
-              <a:rPr lang="en-US" smtClean="0"/>
+              <a:rPr lang="en-US"/>
               <a:t>Click icon to add picture</a:t>
             </a:r>
             <a:endParaRPr lang="en-US" dirty="0"/>
@@ -4561,7 +4673,7 @@
           <a:p>
             <a:pPr lvl="0"/>
             <a:r>
-              <a:rPr lang="en-US" smtClean="0"/>
+              <a:rPr lang="en-US"/>
               <a:t>Edit Master text styles</a:t>
             </a:r>
           </a:p>
@@ -4603,7 +4715,7 @@
           <a:p>
             <a:fld id="{902B137D-9284-4ABB-954B-9B781A26CB8D}" type="slidenum">
               <a:rPr lang="nl-BE" smtClean="0"/>
-              <a:t>‹#›</a:t>
+              <a:t>‹nr.›</a:t>
             </a:fld>
             <a:endParaRPr lang="nl-BE"/>
           </a:p>
@@ -4626,7 +4738,7 @@
           <a:p>
             <a:fld id="{891B977C-11A8-413A-BFAF-14235309C571}" type="datetimeFigureOut">
               <a:rPr lang="nl-BE" smtClean="0"/>
-              <a:t>6/04/2024</a:t>
+              <a:t>10/04/2024</a:t>
             </a:fld>
             <a:endParaRPr lang="nl-BE"/>
           </a:p>
@@ -5224,7 +5336,7 @@
           <a:lstStyle/>
           <a:p>
             <a:r>
-              <a:rPr lang="en-US" smtClean="0"/>
+              <a:rPr lang="en-US"/>
               <a:t>Click to edit Master title style</a:t>
             </a:r>
             <a:endParaRPr lang="en-US" dirty="0"/>
@@ -5258,35 +5370,35 @@
           <a:p>
             <a:pPr lvl="0"/>
             <a:r>
-              <a:rPr lang="en-US" smtClean="0"/>
+              <a:rPr lang="en-US"/>
               <a:t>Edit Master text styles</a:t>
             </a:r>
           </a:p>
           <a:p>
             <a:pPr lvl="1"/>
             <a:r>
-              <a:rPr lang="en-US" smtClean="0"/>
+              <a:rPr lang="en-US"/>
               <a:t>Second level</a:t>
             </a:r>
           </a:p>
           <a:p>
             <a:pPr lvl="2"/>
             <a:r>
-              <a:rPr lang="en-US" smtClean="0"/>
+              <a:rPr lang="en-US"/>
               <a:t>Third level</a:t>
             </a:r>
           </a:p>
           <a:p>
             <a:pPr lvl="3"/>
             <a:r>
-              <a:rPr lang="en-US" smtClean="0"/>
+              <a:rPr lang="en-US"/>
               <a:t>Fourth level</a:t>
             </a:r>
           </a:p>
           <a:p>
             <a:pPr lvl="4"/>
             <a:r>
-              <a:rPr lang="en-US" smtClean="0"/>
+              <a:rPr lang="en-US"/>
               <a:t>Fifth level</a:t>
             </a:r>
             <a:endParaRPr lang="en-US" dirty="0"/>
@@ -5328,7 +5440,7 @@
           <a:p>
             <a:fld id="{891B977C-11A8-413A-BFAF-14235309C571}" type="datetimeFigureOut">
               <a:rPr lang="nl-BE" smtClean="0"/>
-              <a:t>6/04/2024</a:t>
+              <a:t>10/04/2024</a:t>
             </a:fld>
             <a:endParaRPr lang="nl-BE"/>
           </a:p>
@@ -5404,7 +5516,7 @@
           <a:p>
             <a:fld id="{902B137D-9284-4ABB-954B-9B781A26CB8D}" type="slidenum">
               <a:rPr lang="nl-BE" smtClean="0"/>
-              <a:t>‹#›</a:t>
+              <a:t>‹nr.›</a:t>
             </a:fld>
             <a:endParaRPr lang="nl-BE"/>
           </a:p>
@@ -5868,7 +5980,7 @@
           <a:lstStyle/>
           <a:p>
             <a:r>
-              <a:rPr lang="en-BE" sz="4000" dirty="0" smtClean="0">
+              <a:rPr lang="en-BE" sz="4000" dirty="0">
                 <a:solidFill>
                   <a:schemeClr val="accent1">
                     <a:lumMod val="50000"/>
@@ -5878,7 +5990,7 @@
               <a:t>infovis project - group 2 - 2024</a:t>
             </a:r>
             <a:br>
-              <a:rPr lang="en-BE" sz="4000" dirty="0" smtClean="0">
+              <a:rPr lang="en-BE" sz="4000" dirty="0">
                 <a:solidFill>
                   <a:schemeClr val="accent1">
                     <a:lumMod val="50000"/>
@@ -5887,7 +5999,7 @@
               </a:rPr>
             </a:br>
             <a:r>
-              <a:rPr lang="en-BE" sz="4000" dirty="0" smtClean="0">
+              <a:rPr lang="en-BE" sz="4000" dirty="0">
                 <a:solidFill>
                   <a:schemeClr val="accent1">
                     <a:lumMod val="50000"/>
@@ -5929,20 +6041,16 @@
           <a:lstStyle/>
           <a:p>
             <a:r>
-              <a:rPr lang="en-BE" dirty="0" smtClean="0"/>
+              <a:rPr lang="en-BE" dirty="0"/>
               <a:t>Jorrit Vander Mynsbrugge</a:t>
             </a:r>
           </a:p>
           <a:p>
             <a:r>
               <a:rPr lang="nl-BE" dirty="0"/>
-              <a:t>Ruth </a:t>
-            </a:r>
-            <a:r>
-              <a:rPr lang="nl-BE" dirty="0" smtClean="0"/>
-              <a:t>Vandeputte</a:t>
-            </a:r>
-            <a:endParaRPr lang="en-BE" dirty="0" smtClean="0"/>
+              <a:t>Ruth Vandeputte</a:t>
+            </a:r>
+            <a:endParaRPr lang="en-BE" dirty="0"/>
           </a:p>
           <a:p>
             <a:r>
@@ -5962,7 +6070,7 @@
               <a:t> </a:t>
             </a:r>
             <a:r>
-              <a:rPr lang="nl-BE" dirty="0" err="1" smtClean="0"/>
+              <a:rPr lang="nl-BE" dirty="0" err="1"/>
               <a:t>Chowdhury</a:t>
             </a:r>
             <a:endParaRPr lang="nl-BE" dirty="0"/>
@@ -5979,13 +6087,6 @@
   <p:clrMapOvr>
     <a:masterClrMapping/>
   </p:clrMapOvr>
-  <p:timing>
-    <p:tnLst>
-      <p:par>
-        <p:cTn id="1" dur="indefinite" restart="never" nodeType="tmRoot"/>
-      </p:par>
-    </p:tnLst>
-  </p:timing>
 </p:sld>
 </file>
 
@@ -6022,7 +6123,7 @@
           <a:lstStyle/>
           <a:p>
             <a:r>
-              <a:rPr lang="en-BE" dirty="0" smtClean="0"/>
+              <a:rPr lang="en-BE" dirty="0"/>
               <a:t>Fast prototyping</a:t>
             </a:r>
             <a:endParaRPr lang="nl-BE" dirty="0"/>
@@ -6105,7 +6206,7 @@
           <a:lstStyle/>
           <a:p>
             <a:r>
-              <a:rPr lang="en-BE" dirty="0" smtClean="0"/>
+              <a:rPr lang="en-BE" dirty="0"/>
               <a:t>Validation: algorithm</a:t>
             </a:r>
             <a:endParaRPr lang="nl-BE" dirty="0"/>
@@ -6135,32 +6236,32 @@
           <a:lstStyle/>
           <a:p>
             <a:r>
-              <a:rPr lang="en-BE" dirty="0" smtClean="0"/>
+              <a:rPr lang="en-BE" dirty="0"/>
               <a:t>Assessment:</a:t>
             </a:r>
           </a:p>
           <a:p>
             <a:pPr lvl="1"/>
             <a:r>
-              <a:rPr lang="en-BE" dirty="0" smtClean="0"/>
+              <a:rPr lang="en-BE" dirty="0"/>
               <a:t>dataset is static, non-streaming</a:t>
             </a:r>
           </a:p>
           <a:p>
             <a:pPr lvl="1"/>
             <a:r>
-              <a:rPr lang="en-BE" dirty="0" smtClean="0"/>
+              <a:rPr lang="en-BE" dirty="0"/>
               <a:t>query and summary statistics can be pre-computed</a:t>
             </a:r>
           </a:p>
           <a:p>
             <a:pPr lvl="1"/>
             <a:r>
-              <a:rPr lang="en-BE" dirty="0" smtClean="0"/>
+              <a:rPr lang="en-BE" dirty="0"/>
               <a:t>map viz will be slowest section </a:t>
             </a:r>
             <a:r>
-              <a:rPr lang="en-BE" dirty="0" smtClean="0">
+              <a:rPr lang="en-BE" dirty="0">
                 <a:sym typeface="Wingdings" panose="05000000000000000000" pitchFamily="2" charset="2"/>
               </a:rPr>
               <a:t> try second framework if first does not suffice</a:t>
@@ -6169,12 +6270,12 @@
           <a:p>
             <a:pPr lvl="2"/>
             <a:r>
-              <a:rPr lang="en-BE" dirty="0" smtClean="0">
+              <a:rPr lang="en-BE" dirty="0">
                 <a:sym typeface="Wingdings" panose="05000000000000000000" pitchFamily="2" charset="2"/>
               </a:rPr>
               <a:t>see next slide</a:t>
             </a:r>
-            <a:endParaRPr lang="en-BE" dirty="0" smtClean="0"/>
+            <a:endParaRPr lang="en-BE" dirty="0"/>
           </a:p>
           <a:p>
             <a:pPr lvl="1"/>
@@ -6182,20 +6283,19 @@
           </a:p>
           <a:p>
             <a:r>
-              <a:rPr lang="en-BE" dirty="0" smtClean="0"/>
+              <a:rPr lang="en-BE" dirty="0"/>
               <a:t>Validation:</a:t>
             </a:r>
           </a:p>
           <a:p>
             <a:pPr lvl="1"/>
             <a:r>
-              <a:rPr lang="en-BE" dirty="0" smtClean="0"/>
+              <a:rPr lang="en-BE" dirty="0"/>
               <a:t>measure it</a:t>
             </a:r>
+          </a:p>
+          <a:p>
             <a:endParaRPr lang="en-BE" dirty="0"/>
-          </a:p>
-          <a:p>
-            <a:endParaRPr lang="en-BE" dirty="0" smtClean="0"/>
           </a:p>
         </p:txBody>
       </p:sp>
@@ -6250,12 +6350,8 @@
               <a:t>*</a:t>
             </a:r>
             <a:r>
-              <a:rPr lang="en-US" sz="1000" dirty="0" smtClean="0"/>
-              <a:t>“</a:t>
-            </a:r>
-            <a:r>
               <a:rPr lang="en-US" sz="1000" dirty="0"/>
-              <a:t>Big Aggregate Numbers” or “Big Actionable Numbers”</a:t>
+              <a:t>“Big Aggregate Numbers” or “Big Actionable Numbers”</a:t>
             </a:r>
             <a:endParaRPr lang="nl-BE" sz="1000" dirty="0"/>
           </a:p>
@@ -6271,13 +6367,6 @@
   <p:clrMapOvr>
     <a:masterClrMapping/>
   </p:clrMapOvr>
-  <p:timing>
-    <p:tnLst>
-      <p:par>
-        <p:cTn id="1" dur="indefinite" restart="never" nodeType="tmRoot"/>
-      </p:par>
-    </p:tnLst>
-  </p:timing>
 </p:sld>
 </file>
 
@@ -6314,7 +6403,7 @@
           <a:lstStyle/>
           <a:p>
             <a:r>
-              <a:rPr lang="en-BE" dirty="0" smtClean="0"/>
+              <a:rPr lang="en-BE" dirty="0"/>
               <a:t>Tech stack</a:t>
             </a:r>
             <a:endParaRPr lang="nl-BE" dirty="0"/>
@@ -6746,10 +6835,9 @@
           <a:lstStyle/>
           <a:p>
             <a:r>
-              <a:rPr lang="nl-BE" dirty="0" smtClean="0"/>
+              <a:rPr lang="nl-BE" dirty="0"/>
               <a:t>https://github.com/jorritvm/infovis</a:t>
             </a:r>
-            <a:endParaRPr lang="nl-BE" dirty="0"/>
           </a:p>
         </p:txBody>
       </p:sp>
@@ -6898,7 +6986,7 @@
           <a:p>
             <a:pPr algn="ctr"/>
             <a:r>
-              <a:rPr lang="en-BE" sz="2400" u="sng" dirty="0" smtClean="0"/>
+              <a:rPr lang="en-BE" sz="2400" u="sng" dirty="0"/>
               <a:t>Product</a:t>
             </a:r>
             <a:endParaRPr lang="nl-BE" sz="2400" u="sng" dirty="0"/>
@@ -6929,7 +7017,7 @@
           <a:p>
             <a:pPr algn="ctr"/>
             <a:r>
-              <a:rPr lang="en-BE" sz="2400" u="sng" dirty="0" smtClean="0"/>
+              <a:rPr lang="en-BE" sz="2400" u="sng" dirty="0"/>
               <a:t>Collaboration</a:t>
             </a:r>
             <a:endParaRPr lang="nl-BE" sz="2400" u="sng" dirty="0"/>
@@ -6959,7 +7047,7 @@
           <a:lstStyle/>
           <a:p>
             <a:r>
-              <a:rPr lang="en-BE" dirty="0" smtClean="0"/>
+              <a:rPr lang="en-BE" dirty="0"/>
               <a:t>or</a:t>
             </a:r>
             <a:endParaRPr lang="nl-BE" dirty="0"/>
@@ -6989,7 +7077,7 @@
           <a:lstStyle/>
           <a:p>
             <a:r>
-              <a:rPr lang="en-BE" dirty="0" smtClean="0"/>
+              <a:rPr lang="en-BE" dirty="0"/>
               <a:t>source</a:t>
             </a:r>
             <a:endParaRPr lang="nl-BE" dirty="0"/>
@@ -7006,13 +7094,6 @@
   <p:clrMapOvr>
     <a:masterClrMapping/>
   </p:clrMapOvr>
-  <p:timing>
-    <p:tnLst>
-      <p:par>
-        <p:cTn id="1" dur="indefinite" restart="never" nodeType="tmRoot"/>
-      </p:par>
-    </p:tnLst>
-  </p:timing>
 </p:sld>
 </file>
 
@@ -7049,7 +7130,7 @@
           <a:lstStyle/>
           <a:p>
             <a:r>
-              <a:rPr lang="en-BE" dirty="0" smtClean="0"/>
+              <a:rPr lang="en-BE" dirty="0"/>
               <a:t>Map viz tech</a:t>
             </a:r>
             <a:endParaRPr lang="nl-BE" dirty="0"/>
@@ -7109,13 +7190,6 @@
   <p:clrMapOvr>
     <a:masterClrMapping/>
   </p:clrMapOvr>
-  <p:timing>
-    <p:tnLst>
-      <p:par>
-        <p:cTn id="1" dur="indefinite" restart="never" nodeType="tmRoot"/>
-      </p:par>
-    </p:tnLst>
-  </p:timing>
 </p:sld>
 </file>
 
@@ -7152,7 +7226,7 @@
           <a:lstStyle/>
           <a:p>
             <a:r>
-              <a:rPr lang="en-BE" dirty="0" smtClean="0"/>
+              <a:rPr lang="en-BE" dirty="0"/>
               <a:t>Project plan</a:t>
             </a:r>
             <a:endParaRPr lang="nl-BE" dirty="0"/>
@@ -7195,13 +7269,6 @@
   <p:clrMapOvr>
     <a:masterClrMapping/>
   </p:clrMapOvr>
-  <p:timing>
-    <p:tnLst>
-      <p:par>
-        <p:cTn id="1" dur="indefinite" restart="never" nodeType="tmRoot"/>
-      </p:par>
-    </p:tnLst>
-  </p:timing>
 </p:sld>
 </file>
 
@@ -7238,7 +7305,7 @@
           <a:lstStyle/>
           <a:p>
             <a:r>
-              <a:rPr lang="en-BE" dirty="0" smtClean="0"/>
+              <a:rPr lang="en-BE" dirty="0"/>
               <a:t>team presentation: group 2</a:t>
             </a:r>
             <a:endParaRPr lang="nl-BE" dirty="0"/>
@@ -7360,13 +7427,6 @@
   <p:clrMapOvr>
     <a:masterClrMapping/>
   </p:clrMapOvr>
-  <p:timing>
-    <p:tnLst>
-      <p:par>
-        <p:cTn id="1" dur="indefinite" restart="never" nodeType="tmRoot"/>
-      </p:par>
-    </p:tnLst>
-  </p:timing>
 </p:sld>
 </file>
 
@@ -7403,7 +7463,7 @@
           <a:lstStyle/>
           <a:p>
             <a:r>
-              <a:rPr lang="en-BE" dirty="0" smtClean="0"/>
+              <a:rPr lang="en-BE" dirty="0"/>
               <a:t>The dataset</a:t>
             </a:r>
             <a:endParaRPr lang="nl-BE" dirty="0"/>
@@ -7686,7 +7746,7 @@
           </a:lstStyle>
           <a:p>
             <a:r>
-              <a:rPr lang="nl-BE" dirty="0" smtClean="0"/>
+              <a:rPr lang="nl-BE" dirty="0"/>
               <a:t>27</a:t>
             </a:r>
             <a:r>
@@ -7694,28 +7754,53 @@
               <a:t>.</a:t>
             </a:r>
             <a:r>
-              <a:rPr lang="nl-BE" dirty="0" smtClean="0"/>
+              <a:rPr lang="nl-BE" dirty="0"/>
               <a:t>422</a:t>
             </a:r>
             <a:r>
-              <a:rPr lang="en-BE" dirty="0" smtClean="0"/>
+              <a:rPr lang="en-BE" dirty="0"/>
               <a:t> wind pharm phases</a:t>
             </a:r>
           </a:p>
           <a:p>
             <a:r>
-              <a:rPr lang="en-BE" dirty="0" smtClean="0"/>
+              <a:rPr lang="en-BE" dirty="0"/>
               <a:t>155 countries</a:t>
             </a:r>
           </a:p>
           <a:p>
             <a:r>
-              <a:rPr lang="en-BE" dirty="0" smtClean="0"/>
+              <a:rPr lang="nl-BE" dirty="0" err="1"/>
+              <a:t>Latest</a:t>
+            </a:r>
+            <a:r>
+              <a:rPr lang="nl-BE" dirty="0"/>
+              <a:t> release </a:t>
+            </a:r>
+            <a:r>
+              <a:rPr lang="nl-BE" dirty="0" err="1"/>
+              <a:t>from</a:t>
+            </a:r>
+            <a:r>
+              <a:rPr lang="nl-BE" dirty="0"/>
+              <a:t> December 2023</a:t>
+            </a:r>
+          </a:p>
+          <a:p>
+            <a:r>
+              <a:rPr lang="en-BE" dirty="0"/>
               <a:t>No missing values in key attributes</a:t>
             </a:r>
-          </a:p>
-          <a:p>
-            <a:endParaRPr lang="en-BE" dirty="0" smtClean="0"/>
+            <a:endParaRPr lang="nl-BE" dirty="0"/>
+          </a:p>
+          <a:p>
+            <a:pPr marL="0" indent="0">
+              <a:buNone/>
+            </a:pPr>
+            <a:endParaRPr lang="en-BE" dirty="0"/>
+          </a:p>
+          <a:p>
+            <a:endParaRPr lang="en-BE" dirty="0"/>
           </a:p>
           <a:p>
             <a:endParaRPr lang="nl-BE" dirty="0"/>
@@ -7756,13 +7841,6 @@
   <p:clrMapOvr>
     <a:masterClrMapping/>
   </p:clrMapOvr>
-  <p:timing>
-    <p:tnLst>
-      <p:par>
-        <p:cTn id="1" dur="indefinite" restart="never" nodeType="tmRoot"/>
-      </p:par>
-    </p:tnLst>
-  </p:timing>
 </p:sld>
 </file>
 
@@ -7804,7 +7882,7 @@
           <a:lstStyle/>
           <a:p>
             <a:r>
-              <a:rPr lang="en-BE" dirty="0" smtClean="0"/>
+              <a:rPr lang="en-BE" dirty="0"/>
               <a:t>The dataset – quality issues</a:t>
             </a:r>
             <a:endParaRPr lang="nl-BE" dirty="0"/>
@@ -7922,7 +8000,7 @@
               <a:buChar char="•"/>
             </a:pPr>
             <a:r>
-              <a:rPr lang="en-BE" dirty="0" smtClean="0"/>
+              <a:rPr lang="en-BE" dirty="0"/>
               <a:t>sample crosscheck done both on operating &amp; announced projects</a:t>
             </a:r>
           </a:p>
@@ -7939,7 +8017,7 @@
               <a:buChar char="•"/>
             </a:pPr>
             <a:r>
-              <a:rPr lang="en-BE" dirty="0" smtClean="0"/>
+              <a:rPr lang="en-BE" dirty="0"/>
               <a:t>issues only exist with announced projects</a:t>
             </a:r>
           </a:p>
@@ -7956,7 +8034,7 @@
               <a:buChar char="•"/>
             </a:pPr>
             <a:r>
-              <a:rPr lang="en-BE" dirty="0" smtClean="0"/>
+              <a:rPr lang="en-BE" dirty="0"/>
               <a:t>capacities &gt; 10GW will be removed from the dataset</a:t>
             </a:r>
           </a:p>
@@ -8008,7 +8086,7 @@
           <a:lstStyle/>
           <a:p>
             <a:r>
-              <a:rPr lang="en-BE" dirty="0" smtClean="0"/>
+              <a:rPr lang="en-BE" dirty="0"/>
               <a:t>Validation: domain situation</a:t>
             </a:r>
             <a:endParaRPr lang="nl-BE" dirty="0"/>
@@ -8038,46 +8116,46 @@
           <a:lstStyle/>
           <a:p>
             <a:r>
-              <a:rPr lang="en-BE" dirty="0" smtClean="0"/>
+              <a:rPr lang="en-BE" dirty="0"/>
               <a:t>Assessment:</a:t>
             </a:r>
           </a:p>
           <a:p>
             <a:pPr lvl="1"/>
             <a:r>
-              <a:rPr lang="en-BE" dirty="0" smtClean="0"/>
+              <a:rPr lang="en-BE" dirty="0"/>
               <a:t>Target user: high school STEM student. They know electrical power is expressed in Watt, they know the prefix M, they know a windmill produces electrical energy.</a:t>
             </a:r>
           </a:p>
           <a:p>
             <a:pPr lvl="1"/>
             <a:r>
-              <a:rPr lang="en-BE" dirty="0" smtClean="0"/>
+              <a:rPr lang="en-BE" dirty="0"/>
               <a:t>Key questions:</a:t>
             </a:r>
           </a:p>
           <a:p>
             <a:pPr lvl="2"/>
             <a:r>
-              <a:rPr lang="en-BE" dirty="0" smtClean="0"/>
+              <a:rPr lang="en-BE" dirty="0"/>
               <a:t>“how is offshore currently distributed over the different continents?”</a:t>
             </a:r>
           </a:p>
           <a:p>
             <a:pPr lvl="2"/>
             <a:r>
-              <a:rPr lang="en-BE" dirty="0" smtClean="0"/>
+              <a:rPr lang="en-BE" dirty="0"/>
               <a:t>“what continents are in the lead of renewable wind integration”</a:t>
             </a:r>
           </a:p>
           <a:p>
             <a:pPr lvl="2"/>
             <a:r>
-              <a:rPr lang="en-BE" dirty="0" smtClean="0"/>
+              <a:rPr lang="en-BE" dirty="0"/>
               <a:t>“can you find </a:t>
             </a:r>
             <a:r>
-              <a:rPr lang="en-BE" i="1" dirty="0" smtClean="0"/>
+              <a:rPr lang="en-BE" i="1" dirty="0"/>
               <a:t>attribute X</a:t>
             </a:r>
             <a:r>
@@ -8085,39 +8163,39 @@
               <a:t> </a:t>
             </a:r>
             <a:r>
-              <a:rPr lang="en-BE" dirty="0" smtClean="0"/>
+              <a:rPr lang="en-BE" dirty="0"/>
               <a:t>of the biggest windfarm in </a:t>
             </a:r>
             <a:r>
-              <a:rPr lang="en-BE" i="1" dirty="0" smtClean="0"/>
+              <a:rPr lang="en-BE" i="1" dirty="0"/>
               <a:t>Europe</a:t>
             </a:r>
             <a:r>
-              <a:rPr lang="en-BE" dirty="0" smtClean="0"/>
+              <a:rPr lang="en-BE" dirty="0"/>
               <a:t>?</a:t>
             </a:r>
-            <a:endParaRPr lang="en-BE" i="1" dirty="0" smtClean="0"/>
+            <a:endParaRPr lang="en-BE" i="1" dirty="0"/>
           </a:p>
           <a:p>
             <a:pPr lvl="2"/>
             <a:r>
-              <a:rPr lang="en-BE" i="1" dirty="0" smtClean="0"/>
+              <a:rPr lang="en-BE" i="1" dirty="0"/>
               <a:t>“how is the installed capacity evolving over time?” (potentially excluded)</a:t>
             </a:r>
           </a:p>
           <a:p>
-            <a:endParaRPr lang="en-BE" i="1" dirty="0" smtClean="0"/>
-          </a:p>
-          <a:p>
-            <a:r>
-              <a:rPr lang="en-BE" i="1" dirty="0" smtClean="0"/>
+            <a:endParaRPr lang="en-BE" i="1" dirty="0"/>
+          </a:p>
+          <a:p>
+            <a:r>
+              <a:rPr lang="en-BE" i="1" dirty="0"/>
               <a:t>Validation:</a:t>
             </a:r>
           </a:p>
           <a:p>
             <a:pPr lvl="1"/>
             <a:r>
-              <a:rPr lang="en-BE" dirty="0" smtClean="0"/>
+              <a:rPr lang="en-BE" dirty="0"/>
               <a:t>no interviews</a:t>
             </a:r>
           </a:p>
@@ -8128,19 +8206,19 @@
               <a:t>try to imagine yourself in the role of </a:t>
             </a:r>
             <a:r>
-              <a:rPr lang="en-BE" dirty="0" smtClean="0"/>
+              <a:rPr lang="en-BE" dirty="0"/>
               <a:t>high school </a:t>
             </a:r>
             <a:r>
-              <a:rPr lang="en-US" dirty="0" smtClean="0"/>
+              <a:rPr lang="en-US" dirty="0"/>
               <a:t>student</a:t>
             </a:r>
-            <a:endParaRPr lang="en-BE" dirty="0" smtClean="0"/>
+            <a:endParaRPr lang="en-BE" dirty="0"/>
           </a:p>
           <a:p>
             <a:pPr lvl="1"/>
             <a:r>
-              <a:rPr lang="en-BE" dirty="0" smtClean="0"/>
+              <a:rPr lang="en-BE" dirty="0"/>
               <a:t>maybe ask a student? (not yet decided)</a:t>
             </a:r>
             <a:endParaRPr lang="nl-BE" dirty="0"/>
@@ -8156,7 +8234,7 @@
           <p:nvPr/>
         </p:nvPicPr>
         <p:blipFill>
-          <a:blip r:embed="rId2"/>
+          <a:blip r:embed="rId3"/>
           <a:stretch>
             <a:fillRect/>
           </a:stretch>
@@ -8181,13 +8259,11 @@
   <p:clrMapOvr>
     <a:masterClrMapping/>
   </p:clrMapOvr>
-  <p:timing>
-    <p:tnLst>
-      <p:par>
-        <p:cTn id="1" dur="indefinite" restart="never" nodeType="tmRoot"/>
-      </p:par>
-    </p:tnLst>
-  </p:timing>
+  <p:extLst>
+    <p:ext uri="{6950BFC3-D8DA-4A85-94F7-54DA5524770B}">
+      <p188:commentRel xmlns:p188="http://schemas.microsoft.com/office/powerpoint/2018/8/main" r:id="rId2"/>
+    </p:ext>
+  </p:extLst>
 </p:sld>
 </file>
 
@@ -8224,7 +8300,7 @@
           <a:lstStyle/>
           <a:p>
             <a:r>
-              <a:rPr lang="en-BE" dirty="0" smtClean="0"/>
+              <a:rPr lang="en-BE" dirty="0"/>
               <a:t>Validation: data/task abstraction</a:t>
             </a:r>
             <a:endParaRPr lang="nl-BE" dirty="0"/>
@@ -8254,78 +8330,207 @@
           <a:lstStyle/>
           <a:p>
             <a:r>
-              <a:rPr lang="en-BE" dirty="0" smtClean="0"/>
+              <a:rPr lang="en-BE" dirty="0"/>
               <a:t>Assessment:</a:t>
             </a:r>
           </a:p>
           <a:p>
             <a:pPr lvl="1"/>
             <a:r>
-              <a:rPr lang="en-BE" dirty="0" smtClean="0"/>
+              <a:rPr lang="en-BE" dirty="0"/>
               <a:t>the data is hiërarchical, fine data can easily be bucketed into aggregate categories</a:t>
             </a:r>
           </a:p>
           <a:p>
             <a:pPr lvl="1"/>
             <a:r>
-              <a:rPr lang="en-BE" dirty="0" smtClean="0"/>
+              <a:rPr lang="en-BE" dirty="0"/>
               <a:t>questions 1 and 2 are ‘analyse’ questions.</a:t>
             </a:r>
           </a:p>
           <a:p>
             <a:pPr lvl="1"/>
             <a:r>
-              <a:rPr lang="en-BE" dirty="0" smtClean="0"/>
+              <a:rPr lang="en-BE" dirty="0"/>
               <a:t>question 3 combines both the ‘search’ with the ‘query’ aspect of a viz.</a:t>
             </a:r>
           </a:p>
           <a:p>
             <a:pPr lvl="1"/>
             <a:r>
-              <a:rPr lang="en-BE" dirty="0" smtClean="0"/>
+              <a:rPr lang="en-BE" dirty="0"/>
               <a:t>at first both location &amp; power will be unknown</a:t>
             </a:r>
           </a:p>
           <a:p>
             <a:pPr lvl="1"/>
             <a:r>
-              <a:rPr lang="en-BE" dirty="0" smtClean="0">
+              <a:rPr lang="en-BE" dirty="0">
                 <a:sym typeface="Wingdings" panose="05000000000000000000" pitchFamily="2" charset="2"/>
               </a:rPr>
               <a:t> </a:t>
             </a:r>
             <a:r>
-              <a:rPr lang="en-BE" dirty="0" smtClean="0"/>
+              <a:rPr lang="en-BE" dirty="0"/>
               <a:t>then you order by power </a:t>
             </a:r>
             <a:r>
-              <a:rPr lang="en-BE" dirty="0" smtClean="0">
+              <a:rPr lang="en-BE" dirty="0">
                 <a:sym typeface="Wingdings" panose="05000000000000000000" pitchFamily="2" charset="2"/>
               </a:rPr>
               <a:t> </a:t>
             </a:r>
             <a:r>
-              <a:rPr lang="en-BE" dirty="0" smtClean="0"/>
+              <a:rPr lang="en-BE" dirty="0"/>
               <a:t>then you locate </a:t>
             </a:r>
             <a:r>
-              <a:rPr lang="en-BE" dirty="0" smtClean="0">
+              <a:rPr lang="en-BE" dirty="0">
                 <a:sym typeface="Wingdings" panose="05000000000000000000" pitchFamily="2" charset="2"/>
               </a:rPr>
               <a:t> then you query</a:t>
             </a:r>
-          </a:p>
-          <a:p>
+            <a:endParaRPr lang="nl-BE" dirty="0">
+              <a:sym typeface="Wingdings" panose="05000000000000000000" pitchFamily="2" charset="2"/>
+            </a:endParaRPr>
+          </a:p>
+          <a:p>
+            <a:pPr lvl="1"/>
+            <a:r>
+              <a:rPr lang="nl-BE" dirty="0">
+                <a:sym typeface="Wingdings" panose="05000000000000000000" pitchFamily="2" charset="2"/>
+              </a:rPr>
+              <a:t>question 4 is a ‘search’ </a:t>
+            </a:r>
+            <a:r>
+              <a:rPr lang="nl-BE" dirty="0" err="1">
+                <a:sym typeface="Wingdings" panose="05000000000000000000" pitchFamily="2" charset="2"/>
+              </a:rPr>
+              <a:t>by</a:t>
+            </a:r>
+            <a:r>
+              <a:rPr lang="nl-BE" dirty="0">
+                <a:sym typeface="Wingdings" panose="05000000000000000000" pitchFamily="2" charset="2"/>
+              </a:rPr>
+              <a:t> filtering on time </a:t>
+            </a:r>
+            <a:r>
+              <a:rPr lang="nl-BE" dirty="0" err="1">
+                <a:sym typeface="Wingdings" panose="05000000000000000000" pitchFamily="2" charset="2"/>
+              </a:rPr>
+              <a:t>and</a:t>
+            </a:r>
+            <a:r>
+              <a:rPr lang="nl-BE" dirty="0">
+                <a:sym typeface="Wingdings" panose="05000000000000000000" pitchFamily="2" charset="2"/>
+              </a:rPr>
+              <a:t> status (</a:t>
+            </a:r>
+            <a:r>
+              <a:rPr lang="nl-BE" dirty="0" err="1">
+                <a:sym typeface="Wingdings" panose="05000000000000000000" pitchFamily="2" charset="2"/>
+              </a:rPr>
+              <a:t>lookup</a:t>
+            </a:r>
+            <a:r>
+              <a:rPr lang="nl-BE" dirty="0">
+                <a:sym typeface="Wingdings" panose="05000000000000000000" pitchFamily="2" charset="2"/>
+              </a:rPr>
+              <a:t>) </a:t>
+            </a:r>
+            <a:r>
+              <a:rPr lang="nl-BE" dirty="0" err="1">
+                <a:sym typeface="Wingdings" panose="05000000000000000000" pitchFamily="2" charset="2"/>
+              </a:rPr>
+              <a:t>and</a:t>
+            </a:r>
+            <a:r>
+              <a:rPr lang="nl-BE" dirty="0">
+                <a:sym typeface="Wingdings" panose="05000000000000000000" pitchFamily="2" charset="2"/>
+              </a:rPr>
+              <a:t> a ‘query’ </a:t>
+            </a:r>
+            <a:r>
+              <a:rPr lang="nl-BE" dirty="0" err="1">
+                <a:sym typeface="Wingdings" panose="05000000000000000000" pitchFamily="2" charset="2"/>
+              </a:rPr>
+              <a:t>to</a:t>
+            </a:r>
+            <a:r>
+              <a:rPr lang="nl-BE" dirty="0">
+                <a:sym typeface="Wingdings" panose="05000000000000000000" pitchFamily="2" charset="2"/>
+              </a:rPr>
+              <a:t> </a:t>
+            </a:r>
+            <a:r>
+              <a:rPr lang="nl-BE" dirty="0" err="1">
+                <a:sym typeface="Wingdings" panose="05000000000000000000" pitchFamily="2" charset="2"/>
+              </a:rPr>
+              <a:t>compare</a:t>
+            </a:r>
+            <a:r>
+              <a:rPr lang="nl-BE" dirty="0">
+                <a:sym typeface="Wingdings" panose="05000000000000000000" pitchFamily="2" charset="2"/>
+              </a:rPr>
+              <a:t> </a:t>
+            </a:r>
+            <a:r>
+              <a:rPr lang="nl-BE" dirty="0" err="1">
+                <a:sym typeface="Wingdings" panose="05000000000000000000" pitchFamily="2" charset="2"/>
+              </a:rPr>
+              <a:t>the</a:t>
+            </a:r>
+            <a:r>
+              <a:rPr lang="nl-BE" dirty="0">
+                <a:sym typeface="Wingdings" panose="05000000000000000000" pitchFamily="2" charset="2"/>
+              </a:rPr>
+              <a:t> </a:t>
+            </a:r>
+            <a:r>
+              <a:rPr lang="nl-BE" dirty="0" err="1">
+                <a:sym typeface="Wingdings" panose="05000000000000000000" pitchFamily="2" charset="2"/>
+              </a:rPr>
+              <a:t>rates</a:t>
+            </a:r>
+            <a:r>
+              <a:rPr lang="nl-BE" dirty="0">
+                <a:sym typeface="Wingdings" panose="05000000000000000000" pitchFamily="2" charset="2"/>
+              </a:rPr>
+              <a:t> </a:t>
+            </a:r>
+            <a:r>
+              <a:rPr lang="nl-BE" dirty="0" err="1">
+                <a:sym typeface="Wingdings" panose="05000000000000000000" pitchFamily="2" charset="2"/>
+              </a:rPr>
+              <a:t>between</a:t>
+            </a:r>
+            <a:r>
+              <a:rPr lang="nl-BE" dirty="0">
+                <a:sym typeface="Wingdings" panose="05000000000000000000" pitchFamily="2" charset="2"/>
+              </a:rPr>
+              <a:t> </a:t>
+            </a:r>
+            <a:r>
+              <a:rPr lang="nl-BE" dirty="0" err="1">
+                <a:sym typeface="Wingdings" panose="05000000000000000000" pitchFamily="2" charset="2"/>
+              </a:rPr>
+              <a:t>regions</a:t>
+            </a:r>
             <a:endParaRPr lang="en-BE" dirty="0">
               <a:sym typeface="Wingdings" panose="05000000000000000000" pitchFamily="2" charset="2"/>
             </a:endParaRPr>
           </a:p>
           <a:p>
+            <a:endParaRPr lang="en-BE" dirty="0">
+              <a:sym typeface="Wingdings" panose="05000000000000000000" pitchFamily="2" charset="2"/>
+            </a:endParaRPr>
+          </a:p>
+          <a:p>
             <a:r>
               <a:rPr lang="en-BE" dirty="0"/>
               <a:t>Validation:</a:t>
             </a:r>
-            <a:endParaRPr lang="en-BE" dirty="0" smtClean="0">
+            <a:endParaRPr lang="en-BE" dirty="0">
               <a:solidFill>
                 <a:srgbClr val="FF0000"/>
               </a:solidFill>
@@ -8335,7 +8540,7 @@
           <a:p>
             <a:pPr lvl="1"/>
             <a:r>
-              <a:rPr lang="en-BE" dirty="0" smtClean="0">
+              <a:rPr lang="en-BE" dirty="0">
                 <a:solidFill>
                   <a:srgbClr val="FF0000"/>
                 </a:solidFill>
@@ -8343,7 +8548,7 @@
               </a:rPr>
               <a:t>this layer is the least ‘clear’ to us, can we discuss how to assess data/abstraction better and avoid jumping from domain -&gt; idiom selection?</a:t>
             </a:r>
-            <a:endParaRPr lang="en-BE" dirty="0" smtClean="0">
+            <a:endParaRPr lang="en-BE" dirty="0">
               <a:solidFill>
                 <a:srgbClr val="FF0000"/>
               </a:solidFill>
@@ -8385,13 +8590,6 @@
   <p:clrMapOvr>
     <a:masterClrMapping/>
   </p:clrMapOvr>
-  <p:timing>
-    <p:tnLst>
-      <p:par>
-        <p:cTn id="1" dur="indefinite" restart="never" nodeType="tmRoot"/>
-      </p:par>
-    </p:tnLst>
-  </p:timing>
 </p:sld>
 </file>
 
@@ -8428,7 +8626,7 @@
           <a:lstStyle/>
           <a:p>
             <a:r>
-              <a:rPr lang="en-BE" dirty="0" smtClean="0"/>
+              <a:rPr lang="en-BE" dirty="0"/>
               <a:t>Validation: idiom selection (i)</a:t>
             </a:r>
             <a:endParaRPr lang="nl-BE" dirty="0"/>
@@ -8458,84 +8656,121 @@
           <a:lstStyle/>
           <a:p>
             <a:r>
-              <a:rPr lang="en-BE" dirty="0" smtClean="0"/>
+              <a:rPr lang="en-BE" dirty="0"/>
               <a:t>Assessment:</a:t>
             </a:r>
           </a:p>
           <a:p>
             <a:pPr lvl="1"/>
             <a:r>
-              <a:rPr lang="en-BE" dirty="0" smtClean="0"/>
+              <a:rPr lang="en-BE" dirty="0"/>
               <a:t>filters: </a:t>
             </a:r>
           </a:p>
           <a:p>
             <a:pPr lvl="2"/>
             <a:r>
-              <a:rPr lang="en-BE" dirty="0" smtClean="0"/>
+              <a:rPr lang="en-BE" dirty="0"/>
               <a:t>alphabetical combo boxes for categorical values</a:t>
             </a:r>
+            <a:endParaRPr lang="nl-BE" dirty="0"/>
           </a:p>
           <a:p>
             <a:pPr lvl="2"/>
             <a:r>
-              <a:rPr lang="en-BE" dirty="0" smtClean="0"/>
+              <a:rPr lang="nl-BE" dirty="0"/>
+              <a:t>multiple </a:t>
+            </a:r>
+            <a:r>
+              <a:rPr lang="nl-BE" dirty="0" err="1"/>
+              <a:t>values</a:t>
+            </a:r>
+            <a:r>
+              <a:rPr lang="nl-BE" dirty="0"/>
+              <a:t> </a:t>
+            </a:r>
+            <a:r>
+              <a:rPr lang="nl-BE" dirty="0" err="1"/>
+              <a:t>can</a:t>
+            </a:r>
+            <a:r>
+              <a:rPr lang="nl-BE" dirty="0"/>
+              <a:t> </a:t>
+            </a:r>
+            <a:r>
+              <a:rPr lang="nl-BE" dirty="0" err="1"/>
+              <a:t>be</a:t>
+            </a:r>
+            <a:r>
+              <a:rPr lang="nl-BE" dirty="0"/>
+              <a:t> </a:t>
+            </a:r>
+            <a:r>
+              <a:rPr lang="nl-BE" dirty="0" err="1"/>
+              <a:t>selected</a:t>
+            </a:r>
+            <a:endParaRPr lang="en-BE" dirty="0"/>
+          </a:p>
+          <a:p>
+            <a:pPr lvl="2"/>
+            <a:r>
+              <a:rPr lang="en-BE" dirty="0"/>
               <a:t>slider for time scale</a:t>
             </a:r>
           </a:p>
           <a:p>
             <a:pPr lvl="2"/>
             <a:r>
-              <a:rPr lang="en-BE" dirty="0" smtClean="0"/>
+              <a:rPr lang="en-BE" dirty="0"/>
               <a:t>BANs* for 1st hiërarchical level (e.g. continent) showing immediatly some summary statistics</a:t>
             </a:r>
           </a:p>
           <a:p>
             <a:pPr lvl="1"/>
             <a:r>
-              <a:rPr lang="en-BE" dirty="0" smtClean="0"/>
+              <a:rPr lang="en-BE" dirty="0"/>
               <a:t>geographical distribution:</a:t>
             </a:r>
           </a:p>
           <a:p>
             <a:pPr lvl="2"/>
             <a:r>
-              <a:rPr lang="en-BE" dirty="0" smtClean="0"/>
+              <a:rPr lang="en-BE" dirty="0"/>
               <a:t>map with dots</a:t>
             </a:r>
           </a:p>
           <a:p>
             <a:pPr lvl="2"/>
             <a:r>
-              <a:rPr lang="en-BE" dirty="0" smtClean="0"/>
+              <a:rPr lang="en-BE" dirty="0"/>
               <a:t>no choropleth – offshore concessions are often very small (area too small to use color/hue as channel)</a:t>
             </a:r>
           </a:p>
           <a:p>
             <a:pPr lvl="2"/>
             <a:r>
-              <a:rPr lang="en-BE" dirty="0" smtClean="0"/>
+              <a:rPr lang="en-BE" dirty="0"/>
               <a:t>size as channel for power rating</a:t>
             </a:r>
           </a:p>
           <a:p>
             <a:pPr lvl="1"/>
             <a:r>
-              <a:rPr lang="en-BE" dirty="0" smtClean="0"/>
+              <a:rPr lang="en-BE" dirty="0"/>
               <a:t>top stations:</a:t>
             </a:r>
           </a:p>
           <a:p>
             <a:pPr lvl="2"/>
             <a:r>
-              <a:rPr lang="en-BE" dirty="0" smtClean="0"/>
+              <a:rPr lang="en-BE" dirty="0"/>
               <a:t>horizontal bar chart</a:t>
             </a:r>
           </a:p>
           <a:p>
             <a:pPr lvl="2"/>
             <a:r>
-              <a:rPr lang="en-BE" dirty="0" smtClean="0"/>
+              <a:rPr lang="en-BE" dirty="0"/>
               <a:t>position as channel for power rating + maybe second channel (luminance?)</a:t>
             </a:r>
           </a:p>
@@ -8547,7 +8782,193 @@
           </a:p>
           <a:p>
             <a:pPr lvl="1"/>
-            <a:endParaRPr lang="en-BE" dirty="0" smtClean="0"/>
+            <a:endParaRPr lang="en-BE" dirty="0"/>
+          </a:p>
+        </p:txBody>
+      </p:sp>
+      <p:pic>
+        <p:nvPicPr>
+          <p:cNvPr id="5" name="Picture 4"/>
+          <p:cNvPicPr>
+            <a:picLocks noChangeAspect="1"/>
+          </p:cNvPicPr>
+          <p:nvPr/>
+        </p:nvPicPr>
+        <p:blipFill>
+          <a:blip r:embed="rId3"/>
+          <a:stretch>
+            <a:fillRect/>
+          </a:stretch>
+        </p:blipFill>
+        <p:spPr>
+          <a:xfrm>
+            <a:off x="9274002" y="126877"/>
+            <a:ext cx="2738984" cy="2192634"/>
+          </a:xfrm>
+          <a:prstGeom prst="rect">
+            <a:avLst/>
+          </a:prstGeom>
+        </p:spPr>
+      </p:pic>
+      <p:sp>
+        <p:nvSpPr>
+          <p:cNvPr id="4" name="TextBox 3"/>
+          <p:cNvSpPr txBox="1"/>
+          <p:nvPr/>
+        </p:nvSpPr>
+        <p:spPr>
+          <a:xfrm>
+            <a:off x="8657863" y="6481823"/>
+            <a:ext cx="3437681" cy="246221"/>
+          </a:xfrm>
+          <a:prstGeom prst="rect">
+            <a:avLst/>
+          </a:prstGeom>
+          <a:noFill/>
+        </p:spPr>
+        <p:txBody>
+          <a:bodyPr wrap="square" rtlCol="0">
+            <a:spAutoFit/>
+          </a:bodyPr>
+          <a:lstStyle/>
+          <a:p>
+            <a:r>
+              <a:rPr lang="en-BE" sz="1000" dirty="0"/>
+              <a:t>*</a:t>
+            </a:r>
+            <a:r>
+              <a:rPr lang="en-US" sz="1000" dirty="0"/>
+              <a:t>“Big Aggregate Numbers” or “Big Actionable Numbers”</a:t>
+            </a:r>
+            <a:endParaRPr lang="nl-BE" sz="1000" dirty="0"/>
+          </a:p>
+        </p:txBody>
+      </p:sp>
+    </p:spTree>
+    <p:extLst>
+      <p:ext uri="{BB962C8B-B14F-4D97-AF65-F5344CB8AC3E}">
+        <p14:creationId xmlns:p14="http://schemas.microsoft.com/office/powerpoint/2010/main" val="199770149"/>
+      </p:ext>
+    </p:extLst>
+  </p:cSld>
+  <p:clrMapOvr>
+    <a:masterClrMapping/>
+  </p:clrMapOvr>
+  <p:extLst>
+    <p:ext uri="{6950BFC3-D8DA-4A85-94F7-54DA5524770B}">
+      <p188:commentRel xmlns:p188="http://schemas.microsoft.com/office/powerpoint/2018/8/main" r:id="rId2"/>
+    </p:ext>
+  </p:extLst>
+</p:sld>
+</file>
+
+<file path=ppt/slides/slide8.xml><?xml version="1.0" encoding="utf-8"?>
+<p:sld xmlns:a="http://schemas.openxmlformats.org/drawingml/2006/main" xmlns:r="http://schemas.openxmlformats.org/officeDocument/2006/relationships" xmlns:p="http://schemas.openxmlformats.org/presentationml/2006/main">
+  <p:cSld>
+    <p:spTree>
+      <p:nvGrpSpPr>
+        <p:cNvPr id="1" name=""/>
+        <p:cNvGrpSpPr/>
+        <p:nvPr/>
+      </p:nvGrpSpPr>
+      <p:grpSpPr>
+        <a:xfrm>
+          <a:off x="0" y="0"/>
+          <a:ext cx="0" cy="0"/>
+          <a:chOff x="0" y="0"/>
+          <a:chExt cx="0" cy="0"/>
+        </a:xfrm>
+      </p:grpSpPr>
+      <p:sp>
+        <p:nvSpPr>
+          <p:cNvPr id="2" name="Title 1"/>
+          <p:cNvSpPr>
+            <a:spLocks noGrp="1"/>
+          </p:cNvSpPr>
+          <p:nvPr>
+            <p:ph type="title"/>
+          </p:nvPr>
+        </p:nvSpPr>
+        <p:spPr/>
+        <p:txBody>
+          <a:bodyPr/>
+          <a:lstStyle/>
+          <a:p>
+            <a:r>
+              <a:rPr lang="en-BE" dirty="0"/>
+              <a:t>Validation: idiom selection (ii)</a:t>
+            </a:r>
+            <a:endParaRPr lang="nl-BE" dirty="0"/>
+          </a:p>
+        </p:txBody>
+      </p:sp>
+      <p:sp>
+        <p:nvSpPr>
+          <p:cNvPr id="3" name="Content Placeholder 2"/>
+          <p:cNvSpPr>
+            <a:spLocks noGrp="1"/>
+          </p:cNvSpPr>
+          <p:nvPr>
+            <p:ph idx="1"/>
+          </p:nvPr>
+        </p:nvSpPr>
+        <p:spPr>
+          <a:xfrm>
+            <a:off x="677334" y="1551008"/>
+            <a:ext cx="8596668" cy="5046561"/>
+          </a:xfrm>
+        </p:spPr>
+        <p:txBody>
+          <a:bodyPr>
+            <a:normAutofit/>
+          </a:bodyPr>
+          <a:lstStyle/>
+          <a:p>
+            <a:r>
+              <a:rPr lang="en-BE" dirty="0"/>
+              <a:t>Assessment:</a:t>
+            </a:r>
+          </a:p>
+          <a:p>
+            <a:pPr lvl="1"/>
+            <a:r>
+              <a:rPr lang="en-BE" dirty="0"/>
+              <a:t>query:</a:t>
+            </a:r>
+          </a:p>
+          <a:p>
+            <a:pPr lvl="2"/>
+            <a:r>
+              <a:rPr lang="en-BE" dirty="0"/>
+              <a:t>pop-up table with relevant attributes</a:t>
+            </a:r>
+          </a:p>
+          <a:p>
+            <a:pPr lvl="1"/>
+            <a:endParaRPr lang="en-BE" dirty="0"/>
+          </a:p>
+          <a:p>
+            <a:r>
+              <a:rPr lang="en-BE" dirty="0"/>
+              <a:t>Validation:</a:t>
+            </a:r>
+          </a:p>
+          <a:p>
+            <a:pPr lvl="1"/>
+            <a:r>
+              <a:rPr lang="en-BE" dirty="0"/>
+              <a:t>mockup (see next slide)</a:t>
+            </a:r>
+          </a:p>
+          <a:p>
+            <a:pPr lvl="1"/>
+            <a:r>
+              <a:rPr lang="en-BE" dirty="0"/>
+              <a:t>mid-term feedback ;-)</a:t>
+            </a:r>
+          </a:p>
+          <a:p>
+            <a:endParaRPr lang="en-BE" dirty="0"/>
           </a:p>
         </p:txBody>
       </p:sp>
@@ -8602,205 +9023,8 @@
               <a:t>*</a:t>
             </a:r>
             <a:r>
-              <a:rPr lang="en-US" sz="1000" dirty="0" smtClean="0"/>
-              <a:t>“</a:t>
-            </a:r>
-            <a:r>
               <a:rPr lang="en-US" sz="1000" dirty="0"/>
-              <a:t>Big Aggregate Numbers” or “Big Actionable Numbers”</a:t>
-            </a:r>
-            <a:endParaRPr lang="nl-BE" sz="1000" dirty="0"/>
-          </a:p>
-        </p:txBody>
-      </p:sp>
-    </p:spTree>
-    <p:extLst>
-      <p:ext uri="{BB962C8B-B14F-4D97-AF65-F5344CB8AC3E}">
-        <p14:creationId xmlns:p14="http://schemas.microsoft.com/office/powerpoint/2010/main" val="199770149"/>
-      </p:ext>
-    </p:extLst>
-  </p:cSld>
-  <p:clrMapOvr>
-    <a:masterClrMapping/>
-  </p:clrMapOvr>
-  <p:timing>
-    <p:tnLst>
-      <p:par>
-        <p:cTn id="1" dur="indefinite" restart="never" nodeType="tmRoot"/>
-      </p:par>
-    </p:tnLst>
-  </p:timing>
-</p:sld>
-</file>
-
-<file path=ppt/slides/slide8.xml><?xml version="1.0" encoding="utf-8"?>
-<p:sld xmlns:a="http://schemas.openxmlformats.org/drawingml/2006/main" xmlns:r="http://schemas.openxmlformats.org/officeDocument/2006/relationships" xmlns:p="http://schemas.openxmlformats.org/presentationml/2006/main">
-  <p:cSld>
-    <p:spTree>
-      <p:nvGrpSpPr>
-        <p:cNvPr id="1" name=""/>
-        <p:cNvGrpSpPr/>
-        <p:nvPr/>
-      </p:nvGrpSpPr>
-      <p:grpSpPr>
-        <a:xfrm>
-          <a:off x="0" y="0"/>
-          <a:ext cx="0" cy="0"/>
-          <a:chOff x="0" y="0"/>
-          <a:chExt cx="0" cy="0"/>
-        </a:xfrm>
-      </p:grpSpPr>
-      <p:sp>
-        <p:nvSpPr>
-          <p:cNvPr id="2" name="Title 1"/>
-          <p:cNvSpPr>
-            <a:spLocks noGrp="1"/>
-          </p:cNvSpPr>
-          <p:nvPr>
-            <p:ph type="title"/>
-          </p:nvPr>
-        </p:nvSpPr>
-        <p:spPr/>
-        <p:txBody>
-          <a:bodyPr/>
-          <a:lstStyle/>
-          <a:p>
-            <a:r>
-              <a:rPr lang="en-BE" dirty="0" smtClean="0"/>
-              <a:t>Validation: idiom selection (ii)</a:t>
-            </a:r>
-            <a:endParaRPr lang="nl-BE" dirty="0"/>
-          </a:p>
-        </p:txBody>
-      </p:sp>
-      <p:sp>
-        <p:nvSpPr>
-          <p:cNvPr id="3" name="Content Placeholder 2"/>
-          <p:cNvSpPr>
-            <a:spLocks noGrp="1"/>
-          </p:cNvSpPr>
-          <p:nvPr>
-            <p:ph idx="1"/>
-          </p:nvPr>
-        </p:nvSpPr>
-        <p:spPr>
-          <a:xfrm>
-            <a:off x="677334" y="1551008"/>
-            <a:ext cx="8596668" cy="5046561"/>
-          </a:xfrm>
-        </p:spPr>
-        <p:txBody>
-          <a:bodyPr>
-            <a:normAutofit/>
-          </a:bodyPr>
-          <a:lstStyle/>
-          <a:p>
-            <a:r>
-              <a:rPr lang="en-BE" dirty="0" smtClean="0"/>
-              <a:t>Assessment:</a:t>
-            </a:r>
-          </a:p>
-          <a:p>
-            <a:pPr lvl="1"/>
-            <a:r>
-              <a:rPr lang="en-BE" dirty="0" smtClean="0"/>
-              <a:t>query:</a:t>
-            </a:r>
-          </a:p>
-          <a:p>
-            <a:pPr lvl="2"/>
-            <a:r>
-              <a:rPr lang="en-BE" dirty="0" smtClean="0"/>
-              <a:t>pop-up table with relevant attributes</a:t>
-            </a:r>
-          </a:p>
-          <a:p>
-            <a:pPr lvl="1"/>
-            <a:endParaRPr lang="en-BE" dirty="0"/>
-          </a:p>
-          <a:p>
-            <a:r>
-              <a:rPr lang="en-BE" dirty="0" smtClean="0"/>
-              <a:t>Validation:</a:t>
-            </a:r>
-          </a:p>
-          <a:p>
-            <a:pPr lvl="1"/>
-            <a:r>
-              <a:rPr lang="en-BE" dirty="0" smtClean="0"/>
-              <a:t>mockup (see next slide)</a:t>
-            </a:r>
-          </a:p>
-          <a:p>
-            <a:pPr lvl="1"/>
-            <a:r>
-              <a:rPr lang="en-BE" dirty="0" smtClean="0"/>
-              <a:t>mid-term feedback ;-)</a:t>
-            </a:r>
-            <a:endParaRPr lang="en-BE" dirty="0"/>
-          </a:p>
-          <a:p>
-            <a:endParaRPr lang="en-BE" dirty="0" smtClean="0"/>
-          </a:p>
-        </p:txBody>
-      </p:sp>
-      <p:pic>
-        <p:nvPicPr>
-          <p:cNvPr id="5" name="Picture 4"/>
-          <p:cNvPicPr>
-            <a:picLocks noChangeAspect="1"/>
-          </p:cNvPicPr>
-          <p:nvPr/>
-        </p:nvPicPr>
-        <p:blipFill>
-          <a:blip r:embed="rId2"/>
-          <a:stretch>
-            <a:fillRect/>
-          </a:stretch>
-        </p:blipFill>
-        <p:spPr>
-          <a:xfrm>
-            <a:off x="9274002" y="126877"/>
-            <a:ext cx="2738984" cy="2192634"/>
-          </a:xfrm>
-          <a:prstGeom prst="rect">
-            <a:avLst/>
-          </a:prstGeom>
-        </p:spPr>
-      </p:pic>
-      <p:sp>
-        <p:nvSpPr>
-          <p:cNvPr id="4" name="TextBox 3"/>
-          <p:cNvSpPr txBox="1"/>
-          <p:nvPr/>
-        </p:nvSpPr>
-        <p:spPr>
-          <a:xfrm>
-            <a:off x="8657863" y="6481823"/>
-            <a:ext cx="3437681" cy="246221"/>
-          </a:xfrm>
-          <a:prstGeom prst="rect">
-            <a:avLst/>
-          </a:prstGeom>
-          <a:noFill/>
-        </p:spPr>
-        <p:txBody>
-          <a:bodyPr wrap="square" rtlCol="0">
-            <a:spAutoFit/>
-          </a:bodyPr>
-          <a:lstStyle/>
-          <a:p>
-            <a:r>
-              <a:rPr lang="en-BE" sz="1000" dirty="0"/>
-              <a:t>*</a:t>
-            </a:r>
-            <a:r>
-              <a:rPr lang="en-US" sz="1000" dirty="0" smtClean="0"/>
-              <a:t>“</a:t>
-            </a:r>
-            <a:r>
-              <a:rPr lang="en-US" sz="1000" dirty="0"/>
-              <a:t>Big Aggregate Numbers” or “Big Actionable Numbers”</a:t>
+              <a:t>“Big Aggregate Numbers” or “Big Actionable Numbers”</a:t>
             </a:r>
             <a:endParaRPr lang="nl-BE" sz="1000" dirty="0"/>
           </a:p>
@@ -8816,13 +9040,6 @@
   <p:clrMapOvr>
     <a:masterClrMapping/>
   </p:clrMapOvr>
-  <p:timing>
-    <p:tnLst>
-      <p:par>
-        <p:cTn id="1" dur="indefinite" restart="never" nodeType="tmRoot"/>
-      </p:par>
-    </p:tnLst>
-  </p:timing>
 </p:sld>
 </file>
 
@@ -8859,7 +9076,7 @@
           <a:lstStyle/>
           <a:p>
             <a:r>
-              <a:rPr lang="en-BE" dirty="0" smtClean="0"/>
+              <a:rPr lang="en-BE" dirty="0"/>
               <a:t>Mockups (3 iterations)</a:t>
             </a:r>
             <a:endParaRPr lang="nl-BE" dirty="0"/>
@@ -8887,31 +9104,31 @@
           <a:lstStyle/>
           <a:p>
             <a:r>
-              <a:rPr lang="en-BE" dirty="0" smtClean="0"/>
+              <a:rPr lang="en-BE" dirty="0"/>
               <a:t>Filters on top</a:t>
             </a:r>
           </a:p>
           <a:p>
             <a:r>
-              <a:rPr lang="en-BE" dirty="0" smtClean="0"/>
+              <a:rPr lang="en-BE" dirty="0"/>
               <a:t>BAN on the left that also filter the main viz</a:t>
             </a:r>
           </a:p>
           <a:p>
             <a:r>
-              <a:rPr lang="en-BE" dirty="0" smtClean="0"/>
+              <a:rPr lang="en-BE" dirty="0"/>
               <a:t>Main viz on the middle</a:t>
             </a:r>
           </a:p>
           <a:p>
             <a:r>
-              <a:rPr lang="en-BE" dirty="0" smtClean="0"/>
+              <a:rPr lang="en-BE" dirty="0"/>
               <a:t>Horizontal bar chart on the right</a:t>
             </a:r>
           </a:p>
           <a:p>
             <a:r>
-              <a:rPr lang="en-BE" dirty="0" smtClean="0"/>
+              <a:rPr lang="en-BE" dirty="0"/>
               <a:t>Popup in the middle (query result)</a:t>
             </a:r>
           </a:p>
@@ -9025,7 +9242,7 @@
           <a:lstStyle/>
           <a:p>
             <a:r>
-              <a:rPr lang="en-BE" dirty="0" smtClean="0">
+              <a:rPr lang="en-BE" dirty="0">
                 <a:solidFill>
                   <a:schemeClr val="accent5">
                     <a:lumMod val="50000"/>
@@ -9106,7 +9323,7 @@
           <a:lstStyle/>
           <a:p>
             <a:r>
-              <a:rPr lang="en-BE" dirty="0" smtClean="0">
+              <a:rPr lang="en-BE" dirty="0">
                 <a:solidFill>
                   <a:schemeClr val="accent5">
                     <a:lumMod val="50000"/>
@@ -9265,7 +9482,7 @@
           <a:lstStyle/>
           <a:p>
             <a:r>
-              <a:rPr lang="en-BE" dirty="0" smtClean="0">
+              <a:rPr lang="en-BE" dirty="0">
                 <a:solidFill>
                   <a:schemeClr val="accent5">
                     <a:lumMod val="50000"/>
@@ -9307,7 +9524,7 @@
           <a:lstStyle/>
           <a:p>
             <a:r>
-              <a:rPr lang="en-BE" dirty="0" smtClean="0">
+              <a:rPr lang="en-BE" dirty="0">
                 <a:solidFill>
                   <a:schemeClr val="accent5">
                     <a:lumMod val="50000"/>
@@ -9349,7 +9566,7 @@
           <a:lstStyle/>
           <a:p>
             <a:r>
-              <a:rPr lang="en-BE" dirty="0" smtClean="0">
+              <a:rPr lang="en-BE" dirty="0">
                 <a:solidFill>
                   <a:schemeClr val="accent5">
                     <a:lumMod val="50000"/>
@@ -9430,7 +9647,7 @@
           <a:lstStyle/>
           <a:p>
             <a:r>
-              <a:rPr lang="en-BE" sz="1400" dirty="0" smtClean="0">
+              <a:rPr lang="en-BE" sz="1400" dirty="0">
                 <a:solidFill>
                   <a:schemeClr val="accent5">
                     <a:lumMod val="50000"/>
